--- a/új HorváthJ-TamásZs-TímárR-VárkonyiM_RÉ_1.pptx
+++ b/új HorváthJ-TamásZs-TímárR-VárkonyiM_RÉ_1.pptx
@@ -9285,13 +9285,6 @@
         </dgm:presLayoutVars>
       </dgm:prSet>
       <dgm:spPr/>
-      <dgm:t>
-        <a:bodyPr/>
-        <a:lstStyle/>
-        <a:p>
-          <a:endParaRPr lang="hu-HU"/>
-        </a:p>
-      </dgm:t>
     </dgm:pt>
     <dgm:pt modelId="{D177B09B-042A-494E-A11E-468C12412477}" type="pres">
       <dgm:prSet presAssocID="{C1667739-576C-4C99-909B-94FC1593075B}" presName="parTxOnlySpace" presStyleCnt="0"/>
@@ -9306,13 +9299,6 @@
         </dgm:presLayoutVars>
       </dgm:prSet>
       <dgm:spPr/>
-      <dgm:t>
-        <a:bodyPr/>
-        <a:lstStyle/>
-        <a:p>
-          <a:endParaRPr lang="hu-HU"/>
-        </a:p>
-      </dgm:t>
     </dgm:pt>
     <dgm:pt modelId="{24403B94-C44E-4F06-9A1B-36896CBE2818}" type="pres">
       <dgm:prSet presAssocID="{251F0F88-AC87-40EA-8912-C493F0470A78}" presName="parTxOnlySpace" presStyleCnt="0"/>
@@ -9327,23 +9313,16 @@
         </dgm:presLayoutVars>
       </dgm:prSet>
       <dgm:spPr/>
-      <dgm:t>
-        <a:bodyPr/>
-        <a:lstStyle/>
-        <a:p>
-          <a:endParaRPr lang="hu-HU"/>
-        </a:p>
-      </dgm:t>
     </dgm:pt>
   </dgm:ptLst>
   <dgm:cxnLst>
     <dgm:cxn modelId="{04C60A2A-D50D-4826-9833-88B9940EF4E4}" srcId="{9AE636EA-781D-40BB-982E-C1D885ACE8A5}" destId="{9DAC7C44-A2A6-42EC-B80A-222776A581F2}" srcOrd="2" destOrd="0" parTransId="{5DFBC222-CEA1-4A2D-B5C2-F57AA27171F5}" sibTransId="{DFA3BB64-9F39-4E3B-B625-B4518954928A}"/>
     <dgm:cxn modelId="{3F200F32-468B-405E-B6CF-709E49BC4D2C}" type="presOf" srcId="{8F6F2284-D2A5-4559-ABD0-90B37859EAC9}" destId="{4998BFFB-C4A0-4EA3-83A2-3D608F9E3ED1}" srcOrd="0" destOrd="0" presId="urn:microsoft.com/office/officeart/2005/8/layout/chevron1"/>
+    <dgm:cxn modelId="{7DDDCD39-D264-4A79-8F42-3B4DE2CB7D87}" type="presOf" srcId="{9AE636EA-781D-40BB-982E-C1D885ACE8A5}" destId="{E2D10E44-73BD-4D2D-8E6B-38BA5E93A2A1}" srcOrd="0" destOrd="0" presId="urn:microsoft.com/office/officeart/2005/8/layout/chevron1"/>
     <dgm:cxn modelId="{2635E039-25DB-4A20-9672-09319AE1E661}" type="presOf" srcId="{8CF447A2-26DF-4984-B752-32FAD5C6B98D}" destId="{D5741B37-DF94-443D-A188-14089936259A}" srcOrd="0" destOrd="0" presId="urn:microsoft.com/office/officeart/2005/8/layout/chevron1"/>
-    <dgm:cxn modelId="{1DCB9C96-BBA2-45B2-BAA7-A2CB34E8A151}" srcId="{9AE636EA-781D-40BB-982E-C1D885ACE8A5}" destId="{8F6F2284-D2A5-4559-ABD0-90B37859EAC9}" srcOrd="1" destOrd="0" parTransId="{34BDC8B1-DC9D-400F-96C3-6FD8418FA9B7}" sibTransId="{251F0F88-AC87-40EA-8912-C493F0470A78}"/>
-    <dgm:cxn modelId="{7DDDCD39-D264-4A79-8F42-3B4DE2CB7D87}" type="presOf" srcId="{9AE636EA-781D-40BB-982E-C1D885ACE8A5}" destId="{E2D10E44-73BD-4D2D-8E6B-38BA5E93A2A1}" srcOrd="0" destOrd="0" presId="urn:microsoft.com/office/officeart/2005/8/layout/chevron1"/>
     <dgm:cxn modelId="{1B8E7368-FCBA-4954-B8C2-E662213F522B}" type="presOf" srcId="{9DAC7C44-A2A6-42EC-B80A-222776A581F2}" destId="{7A041366-B0FB-4C06-BF3C-CC5BD8B505A8}" srcOrd="0" destOrd="0" presId="urn:microsoft.com/office/officeart/2005/8/layout/chevron1"/>
     <dgm:cxn modelId="{C2FDF84F-3712-43F8-92B9-3BF842AE1505}" srcId="{9AE636EA-781D-40BB-982E-C1D885ACE8A5}" destId="{8CF447A2-26DF-4984-B752-32FAD5C6B98D}" srcOrd="0" destOrd="0" parTransId="{88292455-AB1B-4351-AC3A-01F2BD6D910D}" sibTransId="{C1667739-576C-4C99-909B-94FC1593075B}"/>
+    <dgm:cxn modelId="{1DCB9C96-BBA2-45B2-BAA7-A2CB34E8A151}" srcId="{9AE636EA-781D-40BB-982E-C1D885ACE8A5}" destId="{8F6F2284-D2A5-4559-ABD0-90B37859EAC9}" srcOrd="1" destOrd="0" parTransId="{34BDC8B1-DC9D-400F-96C3-6FD8418FA9B7}" sibTransId="{251F0F88-AC87-40EA-8912-C493F0470A78}"/>
     <dgm:cxn modelId="{8A65CF37-8EA6-434B-BD1F-901FD5944B7F}" type="presParOf" srcId="{E2D10E44-73BD-4D2D-8E6B-38BA5E93A2A1}" destId="{D5741B37-DF94-443D-A188-14089936259A}" srcOrd="0" destOrd="0" presId="urn:microsoft.com/office/officeart/2005/8/layout/chevron1"/>
     <dgm:cxn modelId="{225A520F-A9CE-499A-93A5-36E5CC402342}" type="presParOf" srcId="{E2D10E44-73BD-4D2D-8E6B-38BA5E93A2A1}" destId="{D177B09B-042A-494E-A11E-468C12412477}" srcOrd="1" destOrd="0" presId="urn:microsoft.com/office/officeart/2005/8/layout/chevron1"/>
     <dgm:cxn modelId="{2FF912D2-3496-416B-889C-9C66EDA0F3B1}" type="presParOf" srcId="{E2D10E44-73BD-4D2D-8E6B-38BA5E93A2A1}" destId="{4998BFFB-C4A0-4EA3-83A2-3D608F9E3ED1}" srcOrd="2" destOrd="0" presId="urn:microsoft.com/office/officeart/2005/8/layout/chevron1"/>
@@ -9545,13 +9524,6 @@
         </dgm:presLayoutVars>
       </dgm:prSet>
       <dgm:spPr/>
-      <dgm:t>
-        <a:bodyPr/>
-        <a:lstStyle/>
-        <a:p>
-          <a:endParaRPr lang="hu-HU"/>
-        </a:p>
-      </dgm:t>
     </dgm:pt>
     <dgm:pt modelId="{D177B09B-042A-494E-A11E-468C12412477}" type="pres">
       <dgm:prSet presAssocID="{C1667739-576C-4C99-909B-94FC1593075B}" presName="parTxOnlySpace" presStyleCnt="0"/>
@@ -9566,13 +9538,6 @@
         </dgm:presLayoutVars>
       </dgm:prSet>
       <dgm:spPr/>
-      <dgm:t>
-        <a:bodyPr/>
-        <a:lstStyle/>
-        <a:p>
-          <a:endParaRPr lang="hu-HU"/>
-        </a:p>
-      </dgm:t>
     </dgm:pt>
     <dgm:pt modelId="{24403B94-C44E-4F06-9A1B-36896CBE2818}" type="pres">
       <dgm:prSet presAssocID="{251F0F88-AC87-40EA-8912-C493F0470A78}" presName="parTxOnlySpace" presStyleCnt="0"/>
@@ -9587,23 +9552,16 @@
         </dgm:presLayoutVars>
       </dgm:prSet>
       <dgm:spPr/>
-      <dgm:t>
-        <a:bodyPr/>
-        <a:lstStyle/>
-        <a:p>
-          <a:endParaRPr lang="hu-HU"/>
-        </a:p>
-      </dgm:t>
     </dgm:pt>
   </dgm:ptLst>
   <dgm:cxnLst>
+    <dgm:cxn modelId="{58572508-6091-4602-B279-D254EDFBFC63}" type="presOf" srcId="{8CF447A2-26DF-4984-B752-32FAD5C6B98D}" destId="{D5741B37-DF94-443D-A188-14089936259A}" srcOrd="0" destOrd="0" presId="urn:microsoft.com/office/officeart/2005/8/layout/chevron1"/>
+    <dgm:cxn modelId="{04C60A2A-D50D-4826-9833-88B9940EF4E4}" srcId="{9AE636EA-781D-40BB-982E-C1D885ACE8A5}" destId="{9DAC7C44-A2A6-42EC-B80A-222776A581F2}" srcOrd="2" destOrd="0" parTransId="{5DFBC222-CEA1-4A2D-B5C2-F57AA27171F5}" sibTransId="{DFA3BB64-9F39-4E3B-B625-B4518954928A}"/>
+    <dgm:cxn modelId="{3A71F12F-38F4-4C56-9EE4-12C06A3A9317}" type="presOf" srcId="{9AE636EA-781D-40BB-982E-C1D885ACE8A5}" destId="{E2D10E44-73BD-4D2D-8E6B-38BA5E93A2A1}" srcOrd="0" destOrd="0" presId="urn:microsoft.com/office/officeart/2005/8/layout/chevron1"/>
+    <dgm:cxn modelId="{888D734C-2C2C-4F95-A670-39E9408BD15D}" type="presOf" srcId="{9DAC7C44-A2A6-42EC-B80A-222776A581F2}" destId="{7A041366-B0FB-4C06-BF3C-CC5BD8B505A8}" srcOrd="0" destOrd="0" presId="urn:microsoft.com/office/officeart/2005/8/layout/chevron1"/>
+    <dgm:cxn modelId="{C2FDF84F-3712-43F8-92B9-3BF842AE1505}" srcId="{9AE636EA-781D-40BB-982E-C1D885ACE8A5}" destId="{8CF447A2-26DF-4984-B752-32FAD5C6B98D}" srcOrd="0" destOrd="0" parTransId="{88292455-AB1B-4351-AC3A-01F2BD6D910D}" sibTransId="{C1667739-576C-4C99-909B-94FC1593075B}"/>
+    <dgm:cxn modelId="{1DCB9C96-BBA2-45B2-BAA7-A2CB34E8A151}" srcId="{9AE636EA-781D-40BB-982E-C1D885ACE8A5}" destId="{8F6F2284-D2A5-4559-ABD0-90B37859EAC9}" srcOrd="1" destOrd="0" parTransId="{34BDC8B1-DC9D-400F-96C3-6FD8418FA9B7}" sibTransId="{251F0F88-AC87-40EA-8912-C493F0470A78}"/>
     <dgm:cxn modelId="{6C926DD9-218E-46BD-A80F-B5C13A3B3680}" type="presOf" srcId="{8F6F2284-D2A5-4559-ABD0-90B37859EAC9}" destId="{4998BFFB-C4A0-4EA3-83A2-3D608F9E3ED1}" srcOrd="0" destOrd="0" presId="urn:microsoft.com/office/officeart/2005/8/layout/chevron1"/>
-    <dgm:cxn modelId="{888D734C-2C2C-4F95-A670-39E9408BD15D}" type="presOf" srcId="{9DAC7C44-A2A6-42EC-B80A-222776A581F2}" destId="{7A041366-B0FB-4C06-BF3C-CC5BD8B505A8}" srcOrd="0" destOrd="0" presId="urn:microsoft.com/office/officeart/2005/8/layout/chevron1"/>
-    <dgm:cxn modelId="{04C60A2A-D50D-4826-9833-88B9940EF4E4}" srcId="{9AE636EA-781D-40BB-982E-C1D885ACE8A5}" destId="{9DAC7C44-A2A6-42EC-B80A-222776A581F2}" srcOrd="2" destOrd="0" parTransId="{5DFBC222-CEA1-4A2D-B5C2-F57AA27171F5}" sibTransId="{DFA3BB64-9F39-4E3B-B625-B4518954928A}"/>
-    <dgm:cxn modelId="{1DCB9C96-BBA2-45B2-BAA7-A2CB34E8A151}" srcId="{9AE636EA-781D-40BB-982E-C1D885ACE8A5}" destId="{8F6F2284-D2A5-4559-ABD0-90B37859EAC9}" srcOrd="1" destOrd="0" parTransId="{34BDC8B1-DC9D-400F-96C3-6FD8418FA9B7}" sibTransId="{251F0F88-AC87-40EA-8912-C493F0470A78}"/>
-    <dgm:cxn modelId="{3A71F12F-38F4-4C56-9EE4-12C06A3A9317}" type="presOf" srcId="{9AE636EA-781D-40BB-982E-C1D885ACE8A5}" destId="{E2D10E44-73BD-4D2D-8E6B-38BA5E93A2A1}" srcOrd="0" destOrd="0" presId="urn:microsoft.com/office/officeart/2005/8/layout/chevron1"/>
-    <dgm:cxn modelId="{58572508-6091-4602-B279-D254EDFBFC63}" type="presOf" srcId="{8CF447A2-26DF-4984-B752-32FAD5C6B98D}" destId="{D5741B37-DF94-443D-A188-14089936259A}" srcOrd="0" destOrd="0" presId="urn:microsoft.com/office/officeart/2005/8/layout/chevron1"/>
-    <dgm:cxn modelId="{C2FDF84F-3712-43F8-92B9-3BF842AE1505}" srcId="{9AE636EA-781D-40BB-982E-C1D885ACE8A5}" destId="{8CF447A2-26DF-4984-B752-32FAD5C6B98D}" srcOrd="0" destOrd="0" parTransId="{88292455-AB1B-4351-AC3A-01F2BD6D910D}" sibTransId="{C1667739-576C-4C99-909B-94FC1593075B}"/>
     <dgm:cxn modelId="{86FDE040-4BBA-4647-A5D8-4235150468DA}" type="presParOf" srcId="{E2D10E44-73BD-4D2D-8E6B-38BA5E93A2A1}" destId="{D5741B37-DF94-443D-A188-14089936259A}" srcOrd="0" destOrd="0" presId="urn:microsoft.com/office/officeart/2005/8/layout/chevron1"/>
     <dgm:cxn modelId="{63162FCE-6714-4BC0-8C56-EAA38E2D34A7}" type="presParOf" srcId="{E2D10E44-73BD-4D2D-8E6B-38BA5E93A2A1}" destId="{D177B09B-042A-494E-A11E-468C12412477}" srcOrd="1" destOrd="0" presId="urn:microsoft.com/office/officeart/2005/8/layout/chevron1"/>
     <dgm:cxn modelId="{02F6D62F-9897-4345-BBF2-71700A280D91}" type="presParOf" srcId="{E2D10E44-73BD-4D2D-8E6B-38BA5E93A2A1}" destId="{4998BFFB-C4A0-4EA3-83A2-3D608F9E3ED1}" srcOrd="2" destOrd="0" presId="urn:microsoft.com/office/officeart/2005/8/layout/chevron1"/>
@@ -9804,13 +9762,6 @@
         </dgm:presLayoutVars>
       </dgm:prSet>
       <dgm:spPr/>
-      <dgm:t>
-        <a:bodyPr/>
-        <a:lstStyle/>
-        <a:p>
-          <a:endParaRPr lang="hu-HU"/>
-        </a:p>
-      </dgm:t>
     </dgm:pt>
     <dgm:pt modelId="{D177B09B-042A-494E-A11E-468C12412477}" type="pres">
       <dgm:prSet presAssocID="{C1667739-576C-4C99-909B-94FC1593075B}" presName="parTxOnlySpace" presStyleCnt="0"/>
@@ -9825,13 +9776,6 @@
         </dgm:presLayoutVars>
       </dgm:prSet>
       <dgm:spPr/>
-      <dgm:t>
-        <a:bodyPr/>
-        <a:lstStyle/>
-        <a:p>
-          <a:endParaRPr lang="hu-HU"/>
-        </a:p>
-      </dgm:t>
     </dgm:pt>
     <dgm:pt modelId="{24403B94-C44E-4F06-9A1B-36896CBE2818}" type="pres">
       <dgm:prSet presAssocID="{251F0F88-AC87-40EA-8912-C493F0470A78}" presName="parTxOnlySpace" presStyleCnt="0"/>
@@ -9846,22 +9790,15 @@
         </dgm:presLayoutVars>
       </dgm:prSet>
       <dgm:spPr/>
-      <dgm:t>
-        <a:bodyPr/>
-        <a:lstStyle/>
-        <a:p>
-          <a:endParaRPr lang="hu-HU"/>
-        </a:p>
-      </dgm:t>
     </dgm:pt>
   </dgm:ptLst>
   <dgm:cxnLst>
-    <dgm:cxn modelId="{C2FDF84F-3712-43F8-92B9-3BF842AE1505}" srcId="{9AE636EA-781D-40BB-982E-C1D885ACE8A5}" destId="{8CF447A2-26DF-4984-B752-32FAD5C6B98D}" srcOrd="0" destOrd="0" parTransId="{88292455-AB1B-4351-AC3A-01F2BD6D910D}" sibTransId="{C1667739-576C-4C99-909B-94FC1593075B}"/>
     <dgm:cxn modelId="{34CD900E-1E25-48E4-8E37-CFDC1F82B0F5}" type="presOf" srcId="{8F6F2284-D2A5-4559-ABD0-90B37859EAC9}" destId="{4998BFFB-C4A0-4EA3-83A2-3D608F9E3ED1}" srcOrd="0" destOrd="0" presId="urn:microsoft.com/office/officeart/2005/8/layout/chevron1"/>
-    <dgm:cxn modelId="{9DB6E834-DA01-44DC-A996-71C08BCA1ED1}" type="presOf" srcId="{9AE636EA-781D-40BB-982E-C1D885ACE8A5}" destId="{E2D10E44-73BD-4D2D-8E6B-38BA5E93A2A1}" srcOrd="0" destOrd="0" presId="urn:microsoft.com/office/officeart/2005/8/layout/chevron1"/>
-    <dgm:cxn modelId="{1DCB9C96-BBA2-45B2-BAA7-A2CB34E8A151}" srcId="{9AE636EA-781D-40BB-982E-C1D885ACE8A5}" destId="{8F6F2284-D2A5-4559-ABD0-90B37859EAC9}" srcOrd="1" destOrd="0" parTransId="{34BDC8B1-DC9D-400F-96C3-6FD8418FA9B7}" sibTransId="{251F0F88-AC87-40EA-8912-C493F0470A78}"/>
     <dgm:cxn modelId="{951FD022-C4B5-43B2-855E-66DD92E8EA0C}" type="presOf" srcId="{9DAC7C44-A2A6-42EC-B80A-222776A581F2}" destId="{7A041366-B0FB-4C06-BF3C-CC5BD8B505A8}" srcOrd="0" destOrd="0" presId="urn:microsoft.com/office/officeart/2005/8/layout/chevron1"/>
     <dgm:cxn modelId="{04C60A2A-D50D-4826-9833-88B9940EF4E4}" srcId="{9AE636EA-781D-40BB-982E-C1D885ACE8A5}" destId="{9DAC7C44-A2A6-42EC-B80A-222776A581F2}" srcOrd="2" destOrd="0" parTransId="{5DFBC222-CEA1-4A2D-B5C2-F57AA27171F5}" sibTransId="{DFA3BB64-9F39-4E3B-B625-B4518954928A}"/>
+    <dgm:cxn modelId="{9DB6E834-DA01-44DC-A996-71C08BCA1ED1}" type="presOf" srcId="{9AE636EA-781D-40BB-982E-C1D885ACE8A5}" destId="{E2D10E44-73BD-4D2D-8E6B-38BA5E93A2A1}" srcOrd="0" destOrd="0" presId="urn:microsoft.com/office/officeart/2005/8/layout/chevron1"/>
+    <dgm:cxn modelId="{C2FDF84F-3712-43F8-92B9-3BF842AE1505}" srcId="{9AE636EA-781D-40BB-982E-C1D885ACE8A5}" destId="{8CF447A2-26DF-4984-B752-32FAD5C6B98D}" srcOrd="0" destOrd="0" parTransId="{88292455-AB1B-4351-AC3A-01F2BD6D910D}" sibTransId="{C1667739-576C-4C99-909B-94FC1593075B}"/>
+    <dgm:cxn modelId="{1DCB9C96-BBA2-45B2-BAA7-A2CB34E8A151}" srcId="{9AE636EA-781D-40BB-982E-C1D885ACE8A5}" destId="{8F6F2284-D2A5-4559-ABD0-90B37859EAC9}" srcOrd="1" destOrd="0" parTransId="{34BDC8B1-DC9D-400F-96C3-6FD8418FA9B7}" sibTransId="{251F0F88-AC87-40EA-8912-C493F0470A78}"/>
     <dgm:cxn modelId="{1972A0CD-B7DA-48A9-8484-4269D787D5B5}" type="presOf" srcId="{8CF447A2-26DF-4984-B752-32FAD5C6B98D}" destId="{D5741B37-DF94-443D-A188-14089936259A}" srcOrd="0" destOrd="0" presId="urn:microsoft.com/office/officeart/2005/8/layout/chevron1"/>
     <dgm:cxn modelId="{1854B25A-B58A-4B0A-9B5B-646257952B5A}" type="presParOf" srcId="{E2D10E44-73BD-4D2D-8E6B-38BA5E93A2A1}" destId="{D5741B37-DF94-443D-A188-14089936259A}" srcOrd="0" destOrd="0" presId="urn:microsoft.com/office/officeart/2005/8/layout/chevron1"/>
     <dgm:cxn modelId="{1F0B67BE-525F-4DA6-B759-A5886E91D149}" type="presParOf" srcId="{E2D10E44-73BD-4D2D-8E6B-38BA5E93A2A1}" destId="{D177B09B-042A-494E-A11E-468C12412477}" srcOrd="1" destOrd="0" presId="urn:microsoft.com/office/officeart/2005/8/layout/chevron1"/>
@@ -10063,13 +10000,6 @@
         </dgm:presLayoutVars>
       </dgm:prSet>
       <dgm:spPr/>
-      <dgm:t>
-        <a:bodyPr/>
-        <a:lstStyle/>
-        <a:p>
-          <a:endParaRPr lang="hu-HU"/>
-        </a:p>
-      </dgm:t>
     </dgm:pt>
     <dgm:pt modelId="{D177B09B-042A-494E-A11E-468C12412477}" type="pres">
       <dgm:prSet presAssocID="{C1667739-576C-4C99-909B-94FC1593075B}" presName="parTxOnlySpace" presStyleCnt="0"/>
@@ -10084,13 +10014,6 @@
         </dgm:presLayoutVars>
       </dgm:prSet>
       <dgm:spPr/>
-      <dgm:t>
-        <a:bodyPr/>
-        <a:lstStyle/>
-        <a:p>
-          <a:endParaRPr lang="hu-HU"/>
-        </a:p>
-      </dgm:t>
     </dgm:pt>
     <dgm:pt modelId="{24403B94-C44E-4F06-9A1B-36896CBE2818}" type="pres">
       <dgm:prSet presAssocID="{251F0F88-AC87-40EA-8912-C493F0470A78}" presName="parTxOnlySpace" presStyleCnt="0"/>
@@ -10105,22 +10028,15 @@
         </dgm:presLayoutVars>
       </dgm:prSet>
       <dgm:spPr/>
-      <dgm:t>
-        <a:bodyPr/>
-        <a:lstStyle/>
-        <a:p>
-          <a:endParaRPr lang="hu-HU"/>
-        </a:p>
-      </dgm:t>
     </dgm:pt>
   </dgm:ptLst>
   <dgm:cxnLst>
-    <dgm:cxn modelId="{C2FDF84F-3712-43F8-92B9-3BF842AE1505}" srcId="{9AE636EA-781D-40BB-982E-C1D885ACE8A5}" destId="{8CF447A2-26DF-4984-B752-32FAD5C6B98D}" srcOrd="0" destOrd="0" parTransId="{88292455-AB1B-4351-AC3A-01F2BD6D910D}" sibTransId="{C1667739-576C-4C99-909B-94FC1593075B}"/>
     <dgm:cxn modelId="{34CD900E-1E25-48E4-8E37-CFDC1F82B0F5}" type="presOf" srcId="{8F6F2284-D2A5-4559-ABD0-90B37859EAC9}" destId="{4998BFFB-C4A0-4EA3-83A2-3D608F9E3ED1}" srcOrd="0" destOrd="0" presId="urn:microsoft.com/office/officeart/2005/8/layout/chevron1"/>
-    <dgm:cxn modelId="{9DB6E834-DA01-44DC-A996-71C08BCA1ED1}" type="presOf" srcId="{9AE636EA-781D-40BB-982E-C1D885ACE8A5}" destId="{E2D10E44-73BD-4D2D-8E6B-38BA5E93A2A1}" srcOrd="0" destOrd="0" presId="urn:microsoft.com/office/officeart/2005/8/layout/chevron1"/>
-    <dgm:cxn modelId="{1DCB9C96-BBA2-45B2-BAA7-A2CB34E8A151}" srcId="{9AE636EA-781D-40BB-982E-C1D885ACE8A5}" destId="{8F6F2284-D2A5-4559-ABD0-90B37859EAC9}" srcOrd="1" destOrd="0" parTransId="{34BDC8B1-DC9D-400F-96C3-6FD8418FA9B7}" sibTransId="{251F0F88-AC87-40EA-8912-C493F0470A78}"/>
     <dgm:cxn modelId="{951FD022-C4B5-43B2-855E-66DD92E8EA0C}" type="presOf" srcId="{9DAC7C44-A2A6-42EC-B80A-222776A581F2}" destId="{7A041366-B0FB-4C06-BF3C-CC5BD8B505A8}" srcOrd="0" destOrd="0" presId="urn:microsoft.com/office/officeart/2005/8/layout/chevron1"/>
     <dgm:cxn modelId="{04C60A2A-D50D-4826-9833-88B9940EF4E4}" srcId="{9AE636EA-781D-40BB-982E-C1D885ACE8A5}" destId="{9DAC7C44-A2A6-42EC-B80A-222776A581F2}" srcOrd="2" destOrd="0" parTransId="{5DFBC222-CEA1-4A2D-B5C2-F57AA27171F5}" sibTransId="{DFA3BB64-9F39-4E3B-B625-B4518954928A}"/>
+    <dgm:cxn modelId="{9DB6E834-DA01-44DC-A996-71C08BCA1ED1}" type="presOf" srcId="{9AE636EA-781D-40BB-982E-C1D885ACE8A5}" destId="{E2D10E44-73BD-4D2D-8E6B-38BA5E93A2A1}" srcOrd="0" destOrd="0" presId="urn:microsoft.com/office/officeart/2005/8/layout/chevron1"/>
+    <dgm:cxn modelId="{C2FDF84F-3712-43F8-92B9-3BF842AE1505}" srcId="{9AE636EA-781D-40BB-982E-C1D885ACE8A5}" destId="{8CF447A2-26DF-4984-B752-32FAD5C6B98D}" srcOrd="0" destOrd="0" parTransId="{88292455-AB1B-4351-AC3A-01F2BD6D910D}" sibTransId="{C1667739-576C-4C99-909B-94FC1593075B}"/>
+    <dgm:cxn modelId="{1DCB9C96-BBA2-45B2-BAA7-A2CB34E8A151}" srcId="{9AE636EA-781D-40BB-982E-C1D885ACE8A5}" destId="{8F6F2284-D2A5-4559-ABD0-90B37859EAC9}" srcOrd="1" destOrd="0" parTransId="{34BDC8B1-DC9D-400F-96C3-6FD8418FA9B7}" sibTransId="{251F0F88-AC87-40EA-8912-C493F0470A78}"/>
     <dgm:cxn modelId="{1972A0CD-B7DA-48A9-8484-4269D787D5B5}" type="presOf" srcId="{8CF447A2-26DF-4984-B752-32FAD5C6B98D}" destId="{D5741B37-DF94-443D-A188-14089936259A}" srcOrd="0" destOrd="0" presId="urn:microsoft.com/office/officeart/2005/8/layout/chevron1"/>
     <dgm:cxn modelId="{1854B25A-B58A-4B0A-9B5B-646257952B5A}" type="presParOf" srcId="{E2D10E44-73BD-4D2D-8E6B-38BA5E93A2A1}" destId="{D5741B37-DF94-443D-A188-14089936259A}" srcOrd="0" destOrd="0" presId="urn:microsoft.com/office/officeart/2005/8/layout/chevron1"/>
     <dgm:cxn modelId="{1F0B67BE-525F-4DA6-B759-A5886E91D149}" type="presParOf" srcId="{E2D10E44-73BD-4D2D-8E6B-38BA5E93A2A1}" destId="{D177B09B-042A-494E-A11E-468C12412477}" srcOrd="1" destOrd="0" presId="urn:microsoft.com/office/officeart/2005/8/layout/chevron1"/>
@@ -10322,13 +10238,6 @@
         </dgm:presLayoutVars>
       </dgm:prSet>
       <dgm:spPr/>
-      <dgm:t>
-        <a:bodyPr/>
-        <a:lstStyle/>
-        <a:p>
-          <a:endParaRPr lang="hu-HU"/>
-        </a:p>
-      </dgm:t>
     </dgm:pt>
     <dgm:pt modelId="{D177B09B-042A-494E-A11E-468C12412477}" type="pres">
       <dgm:prSet presAssocID="{C1667739-576C-4C99-909B-94FC1593075B}" presName="parTxOnlySpace" presStyleCnt="0"/>
@@ -10343,13 +10252,6 @@
         </dgm:presLayoutVars>
       </dgm:prSet>
       <dgm:spPr/>
-      <dgm:t>
-        <a:bodyPr/>
-        <a:lstStyle/>
-        <a:p>
-          <a:endParaRPr lang="hu-HU"/>
-        </a:p>
-      </dgm:t>
     </dgm:pt>
     <dgm:pt modelId="{24403B94-C44E-4F06-9A1B-36896CBE2818}" type="pres">
       <dgm:prSet presAssocID="{251F0F88-AC87-40EA-8912-C493F0470A78}" presName="parTxOnlySpace" presStyleCnt="0"/>
@@ -10364,23 +10266,16 @@
         </dgm:presLayoutVars>
       </dgm:prSet>
       <dgm:spPr/>
-      <dgm:t>
-        <a:bodyPr/>
-        <a:lstStyle/>
-        <a:p>
-          <a:endParaRPr lang="hu-HU"/>
-        </a:p>
-      </dgm:t>
     </dgm:pt>
   </dgm:ptLst>
   <dgm:cxnLst>
     <dgm:cxn modelId="{04C60A2A-D50D-4826-9833-88B9940EF4E4}" srcId="{9AE636EA-781D-40BB-982E-C1D885ACE8A5}" destId="{9DAC7C44-A2A6-42EC-B80A-222776A581F2}" srcOrd="2" destOrd="0" parTransId="{5DFBC222-CEA1-4A2D-B5C2-F57AA27171F5}" sibTransId="{DFA3BB64-9F39-4E3B-B625-B4518954928A}"/>
     <dgm:cxn modelId="{3F200F32-468B-405E-B6CF-709E49BC4D2C}" type="presOf" srcId="{8F6F2284-D2A5-4559-ABD0-90B37859EAC9}" destId="{4998BFFB-C4A0-4EA3-83A2-3D608F9E3ED1}" srcOrd="0" destOrd="0" presId="urn:microsoft.com/office/officeart/2005/8/layout/chevron1"/>
+    <dgm:cxn modelId="{7DDDCD39-D264-4A79-8F42-3B4DE2CB7D87}" type="presOf" srcId="{9AE636EA-781D-40BB-982E-C1D885ACE8A5}" destId="{E2D10E44-73BD-4D2D-8E6B-38BA5E93A2A1}" srcOrd="0" destOrd="0" presId="urn:microsoft.com/office/officeart/2005/8/layout/chevron1"/>
     <dgm:cxn modelId="{2635E039-25DB-4A20-9672-09319AE1E661}" type="presOf" srcId="{8CF447A2-26DF-4984-B752-32FAD5C6B98D}" destId="{D5741B37-DF94-443D-A188-14089936259A}" srcOrd="0" destOrd="0" presId="urn:microsoft.com/office/officeart/2005/8/layout/chevron1"/>
-    <dgm:cxn modelId="{1DCB9C96-BBA2-45B2-BAA7-A2CB34E8A151}" srcId="{9AE636EA-781D-40BB-982E-C1D885ACE8A5}" destId="{8F6F2284-D2A5-4559-ABD0-90B37859EAC9}" srcOrd="1" destOrd="0" parTransId="{34BDC8B1-DC9D-400F-96C3-6FD8418FA9B7}" sibTransId="{251F0F88-AC87-40EA-8912-C493F0470A78}"/>
-    <dgm:cxn modelId="{7DDDCD39-D264-4A79-8F42-3B4DE2CB7D87}" type="presOf" srcId="{9AE636EA-781D-40BB-982E-C1D885ACE8A5}" destId="{E2D10E44-73BD-4D2D-8E6B-38BA5E93A2A1}" srcOrd="0" destOrd="0" presId="urn:microsoft.com/office/officeart/2005/8/layout/chevron1"/>
     <dgm:cxn modelId="{1B8E7368-FCBA-4954-B8C2-E662213F522B}" type="presOf" srcId="{9DAC7C44-A2A6-42EC-B80A-222776A581F2}" destId="{7A041366-B0FB-4C06-BF3C-CC5BD8B505A8}" srcOrd="0" destOrd="0" presId="urn:microsoft.com/office/officeart/2005/8/layout/chevron1"/>
     <dgm:cxn modelId="{C2FDF84F-3712-43F8-92B9-3BF842AE1505}" srcId="{9AE636EA-781D-40BB-982E-C1D885ACE8A5}" destId="{8CF447A2-26DF-4984-B752-32FAD5C6B98D}" srcOrd="0" destOrd="0" parTransId="{88292455-AB1B-4351-AC3A-01F2BD6D910D}" sibTransId="{C1667739-576C-4C99-909B-94FC1593075B}"/>
+    <dgm:cxn modelId="{1DCB9C96-BBA2-45B2-BAA7-A2CB34E8A151}" srcId="{9AE636EA-781D-40BB-982E-C1D885ACE8A5}" destId="{8F6F2284-D2A5-4559-ABD0-90B37859EAC9}" srcOrd="1" destOrd="0" parTransId="{34BDC8B1-DC9D-400F-96C3-6FD8418FA9B7}" sibTransId="{251F0F88-AC87-40EA-8912-C493F0470A78}"/>
     <dgm:cxn modelId="{8A65CF37-8EA6-434B-BD1F-901FD5944B7F}" type="presParOf" srcId="{E2D10E44-73BD-4D2D-8E6B-38BA5E93A2A1}" destId="{D5741B37-DF94-443D-A188-14089936259A}" srcOrd="0" destOrd="0" presId="urn:microsoft.com/office/officeart/2005/8/layout/chevron1"/>
     <dgm:cxn modelId="{225A520F-A9CE-499A-93A5-36E5CC402342}" type="presParOf" srcId="{E2D10E44-73BD-4D2D-8E6B-38BA5E93A2A1}" destId="{D177B09B-042A-494E-A11E-468C12412477}" srcOrd="1" destOrd="0" presId="urn:microsoft.com/office/officeart/2005/8/layout/chevron1"/>
     <dgm:cxn modelId="{2FF912D2-3496-416B-889C-9C66EDA0F3B1}" type="presParOf" srcId="{E2D10E44-73BD-4D2D-8E6B-38BA5E93A2A1}" destId="{4998BFFB-C4A0-4EA3-83A2-3D608F9E3ED1}" srcOrd="2" destOrd="0" presId="urn:microsoft.com/office/officeart/2005/8/layout/chevron1"/>
@@ -10581,13 +10476,6 @@
         </dgm:presLayoutVars>
       </dgm:prSet>
       <dgm:spPr/>
-      <dgm:t>
-        <a:bodyPr/>
-        <a:lstStyle/>
-        <a:p>
-          <a:endParaRPr lang="hu-HU"/>
-        </a:p>
-      </dgm:t>
     </dgm:pt>
     <dgm:pt modelId="{D177B09B-042A-494E-A11E-468C12412477}" type="pres">
       <dgm:prSet presAssocID="{C1667739-576C-4C99-909B-94FC1593075B}" presName="parTxOnlySpace" presStyleCnt="0"/>
@@ -10602,13 +10490,6 @@
         </dgm:presLayoutVars>
       </dgm:prSet>
       <dgm:spPr/>
-      <dgm:t>
-        <a:bodyPr/>
-        <a:lstStyle/>
-        <a:p>
-          <a:endParaRPr lang="hu-HU"/>
-        </a:p>
-      </dgm:t>
     </dgm:pt>
     <dgm:pt modelId="{24403B94-C44E-4F06-9A1B-36896CBE2818}" type="pres">
       <dgm:prSet presAssocID="{251F0F88-AC87-40EA-8912-C493F0470A78}" presName="parTxOnlySpace" presStyleCnt="0"/>
@@ -10623,23 +10504,16 @@
         </dgm:presLayoutVars>
       </dgm:prSet>
       <dgm:spPr/>
-      <dgm:t>
-        <a:bodyPr/>
-        <a:lstStyle/>
-        <a:p>
-          <a:endParaRPr lang="hu-HU"/>
-        </a:p>
-      </dgm:t>
     </dgm:pt>
   </dgm:ptLst>
   <dgm:cxnLst>
+    <dgm:cxn modelId="{58572508-6091-4602-B279-D254EDFBFC63}" type="presOf" srcId="{8CF447A2-26DF-4984-B752-32FAD5C6B98D}" destId="{D5741B37-DF94-443D-A188-14089936259A}" srcOrd="0" destOrd="0" presId="urn:microsoft.com/office/officeart/2005/8/layout/chevron1"/>
+    <dgm:cxn modelId="{04C60A2A-D50D-4826-9833-88B9940EF4E4}" srcId="{9AE636EA-781D-40BB-982E-C1D885ACE8A5}" destId="{9DAC7C44-A2A6-42EC-B80A-222776A581F2}" srcOrd="2" destOrd="0" parTransId="{5DFBC222-CEA1-4A2D-B5C2-F57AA27171F5}" sibTransId="{DFA3BB64-9F39-4E3B-B625-B4518954928A}"/>
+    <dgm:cxn modelId="{3A71F12F-38F4-4C56-9EE4-12C06A3A9317}" type="presOf" srcId="{9AE636EA-781D-40BB-982E-C1D885ACE8A5}" destId="{E2D10E44-73BD-4D2D-8E6B-38BA5E93A2A1}" srcOrd="0" destOrd="0" presId="urn:microsoft.com/office/officeart/2005/8/layout/chevron1"/>
+    <dgm:cxn modelId="{888D734C-2C2C-4F95-A670-39E9408BD15D}" type="presOf" srcId="{9DAC7C44-A2A6-42EC-B80A-222776A581F2}" destId="{7A041366-B0FB-4C06-BF3C-CC5BD8B505A8}" srcOrd="0" destOrd="0" presId="urn:microsoft.com/office/officeart/2005/8/layout/chevron1"/>
+    <dgm:cxn modelId="{C2FDF84F-3712-43F8-92B9-3BF842AE1505}" srcId="{9AE636EA-781D-40BB-982E-C1D885ACE8A5}" destId="{8CF447A2-26DF-4984-B752-32FAD5C6B98D}" srcOrd="0" destOrd="0" parTransId="{88292455-AB1B-4351-AC3A-01F2BD6D910D}" sibTransId="{C1667739-576C-4C99-909B-94FC1593075B}"/>
+    <dgm:cxn modelId="{1DCB9C96-BBA2-45B2-BAA7-A2CB34E8A151}" srcId="{9AE636EA-781D-40BB-982E-C1D885ACE8A5}" destId="{8F6F2284-D2A5-4559-ABD0-90B37859EAC9}" srcOrd="1" destOrd="0" parTransId="{34BDC8B1-DC9D-400F-96C3-6FD8418FA9B7}" sibTransId="{251F0F88-AC87-40EA-8912-C493F0470A78}"/>
     <dgm:cxn modelId="{6C926DD9-218E-46BD-A80F-B5C13A3B3680}" type="presOf" srcId="{8F6F2284-D2A5-4559-ABD0-90B37859EAC9}" destId="{4998BFFB-C4A0-4EA3-83A2-3D608F9E3ED1}" srcOrd="0" destOrd="0" presId="urn:microsoft.com/office/officeart/2005/8/layout/chevron1"/>
-    <dgm:cxn modelId="{888D734C-2C2C-4F95-A670-39E9408BD15D}" type="presOf" srcId="{9DAC7C44-A2A6-42EC-B80A-222776A581F2}" destId="{7A041366-B0FB-4C06-BF3C-CC5BD8B505A8}" srcOrd="0" destOrd="0" presId="urn:microsoft.com/office/officeart/2005/8/layout/chevron1"/>
-    <dgm:cxn modelId="{04C60A2A-D50D-4826-9833-88B9940EF4E4}" srcId="{9AE636EA-781D-40BB-982E-C1D885ACE8A5}" destId="{9DAC7C44-A2A6-42EC-B80A-222776A581F2}" srcOrd="2" destOrd="0" parTransId="{5DFBC222-CEA1-4A2D-B5C2-F57AA27171F5}" sibTransId="{DFA3BB64-9F39-4E3B-B625-B4518954928A}"/>
-    <dgm:cxn modelId="{1DCB9C96-BBA2-45B2-BAA7-A2CB34E8A151}" srcId="{9AE636EA-781D-40BB-982E-C1D885ACE8A5}" destId="{8F6F2284-D2A5-4559-ABD0-90B37859EAC9}" srcOrd="1" destOrd="0" parTransId="{34BDC8B1-DC9D-400F-96C3-6FD8418FA9B7}" sibTransId="{251F0F88-AC87-40EA-8912-C493F0470A78}"/>
-    <dgm:cxn modelId="{3A71F12F-38F4-4C56-9EE4-12C06A3A9317}" type="presOf" srcId="{9AE636EA-781D-40BB-982E-C1D885ACE8A5}" destId="{E2D10E44-73BD-4D2D-8E6B-38BA5E93A2A1}" srcOrd="0" destOrd="0" presId="urn:microsoft.com/office/officeart/2005/8/layout/chevron1"/>
-    <dgm:cxn modelId="{58572508-6091-4602-B279-D254EDFBFC63}" type="presOf" srcId="{8CF447A2-26DF-4984-B752-32FAD5C6B98D}" destId="{D5741B37-DF94-443D-A188-14089936259A}" srcOrd="0" destOrd="0" presId="urn:microsoft.com/office/officeart/2005/8/layout/chevron1"/>
-    <dgm:cxn modelId="{C2FDF84F-3712-43F8-92B9-3BF842AE1505}" srcId="{9AE636EA-781D-40BB-982E-C1D885ACE8A5}" destId="{8CF447A2-26DF-4984-B752-32FAD5C6B98D}" srcOrd="0" destOrd="0" parTransId="{88292455-AB1B-4351-AC3A-01F2BD6D910D}" sibTransId="{C1667739-576C-4C99-909B-94FC1593075B}"/>
     <dgm:cxn modelId="{86FDE040-4BBA-4647-A5D8-4235150468DA}" type="presParOf" srcId="{E2D10E44-73BD-4D2D-8E6B-38BA5E93A2A1}" destId="{D5741B37-DF94-443D-A188-14089936259A}" srcOrd="0" destOrd="0" presId="urn:microsoft.com/office/officeart/2005/8/layout/chevron1"/>
     <dgm:cxn modelId="{63162FCE-6714-4BC0-8C56-EAA38E2D34A7}" type="presParOf" srcId="{E2D10E44-73BD-4D2D-8E6B-38BA5E93A2A1}" destId="{D177B09B-042A-494E-A11E-468C12412477}" srcOrd="1" destOrd="0" presId="urn:microsoft.com/office/officeart/2005/8/layout/chevron1"/>
     <dgm:cxn modelId="{02F6D62F-9897-4345-BBF2-71700A280D91}" type="presParOf" srcId="{E2D10E44-73BD-4D2D-8E6B-38BA5E93A2A1}" destId="{4998BFFB-C4A0-4EA3-83A2-3D608F9E3ED1}" srcOrd="2" destOrd="0" presId="urn:microsoft.com/office/officeart/2005/8/layout/chevron1"/>
@@ -10840,13 +10714,6 @@
         </dgm:presLayoutVars>
       </dgm:prSet>
       <dgm:spPr/>
-      <dgm:t>
-        <a:bodyPr/>
-        <a:lstStyle/>
-        <a:p>
-          <a:endParaRPr lang="hu-HU"/>
-        </a:p>
-      </dgm:t>
     </dgm:pt>
     <dgm:pt modelId="{D177B09B-042A-494E-A11E-468C12412477}" type="pres">
       <dgm:prSet presAssocID="{C1667739-576C-4C99-909B-94FC1593075B}" presName="parTxOnlySpace" presStyleCnt="0"/>
@@ -10861,13 +10728,6 @@
         </dgm:presLayoutVars>
       </dgm:prSet>
       <dgm:spPr/>
-      <dgm:t>
-        <a:bodyPr/>
-        <a:lstStyle/>
-        <a:p>
-          <a:endParaRPr lang="hu-HU"/>
-        </a:p>
-      </dgm:t>
     </dgm:pt>
     <dgm:pt modelId="{24403B94-C44E-4F06-9A1B-36896CBE2818}" type="pres">
       <dgm:prSet presAssocID="{251F0F88-AC87-40EA-8912-C493F0470A78}" presName="parTxOnlySpace" presStyleCnt="0"/>
@@ -10882,23 +10742,16 @@
         </dgm:presLayoutVars>
       </dgm:prSet>
       <dgm:spPr/>
-      <dgm:t>
-        <a:bodyPr/>
-        <a:lstStyle/>
-        <a:p>
-          <a:endParaRPr lang="hu-HU"/>
-        </a:p>
-      </dgm:t>
     </dgm:pt>
   </dgm:ptLst>
   <dgm:cxnLst>
+    <dgm:cxn modelId="{58572508-6091-4602-B279-D254EDFBFC63}" type="presOf" srcId="{8CF447A2-26DF-4984-B752-32FAD5C6B98D}" destId="{D5741B37-DF94-443D-A188-14089936259A}" srcOrd="0" destOrd="0" presId="urn:microsoft.com/office/officeart/2005/8/layout/chevron1"/>
+    <dgm:cxn modelId="{04C60A2A-D50D-4826-9833-88B9940EF4E4}" srcId="{9AE636EA-781D-40BB-982E-C1D885ACE8A5}" destId="{9DAC7C44-A2A6-42EC-B80A-222776A581F2}" srcOrd="2" destOrd="0" parTransId="{5DFBC222-CEA1-4A2D-B5C2-F57AA27171F5}" sibTransId="{DFA3BB64-9F39-4E3B-B625-B4518954928A}"/>
+    <dgm:cxn modelId="{3A71F12F-38F4-4C56-9EE4-12C06A3A9317}" type="presOf" srcId="{9AE636EA-781D-40BB-982E-C1D885ACE8A5}" destId="{E2D10E44-73BD-4D2D-8E6B-38BA5E93A2A1}" srcOrd="0" destOrd="0" presId="urn:microsoft.com/office/officeart/2005/8/layout/chevron1"/>
+    <dgm:cxn modelId="{888D734C-2C2C-4F95-A670-39E9408BD15D}" type="presOf" srcId="{9DAC7C44-A2A6-42EC-B80A-222776A581F2}" destId="{7A041366-B0FB-4C06-BF3C-CC5BD8B505A8}" srcOrd="0" destOrd="0" presId="urn:microsoft.com/office/officeart/2005/8/layout/chevron1"/>
+    <dgm:cxn modelId="{C2FDF84F-3712-43F8-92B9-3BF842AE1505}" srcId="{9AE636EA-781D-40BB-982E-C1D885ACE8A5}" destId="{8CF447A2-26DF-4984-B752-32FAD5C6B98D}" srcOrd="0" destOrd="0" parTransId="{88292455-AB1B-4351-AC3A-01F2BD6D910D}" sibTransId="{C1667739-576C-4C99-909B-94FC1593075B}"/>
+    <dgm:cxn modelId="{1DCB9C96-BBA2-45B2-BAA7-A2CB34E8A151}" srcId="{9AE636EA-781D-40BB-982E-C1D885ACE8A5}" destId="{8F6F2284-D2A5-4559-ABD0-90B37859EAC9}" srcOrd="1" destOrd="0" parTransId="{34BDC8B1-DC9D-400F-96C3-6FD8418FA9B7}" sibTransId="{251F0F88-AC87-40EA-8912-C493F0470A78}"/>
     <dgm:cxn modelId="{6C926DD9-218E-46BD-A80F-B5C13A3B3680}" type="presOf" srcId="{8F6F2284-D2A5-4559-ABD0-90B37859EAC9}" destId="{4998BFFB-C4A0-4EA3-83A2-3D608F9E3ED1}" srcOrd="0" destOrd="0" presId="urn:microsoft.com/office/officeart/2005/8/layout/chevron1"/>
-    <dgm:cxn modelId="{888D734C-2C2C-4F95-A670-39E9408BD15D}" type="presOf" srcId="{9DAC7C44-A2A6-42EC-B80A-222776A581F2}" destId="{7A041366-B0FB-4C06-BF3C-CC5BD8B505A8}" srcOrd="0" destOrd="0" presId="urn:microsoft.com/office/officeart/2005/8/layout/chevron1"/>
-    <dgm:cxn modelId="{04C60A2A-D50D-4826-9833-88B9940EF4E4}" srcId="{9AE636EA-781D-40BB-982E-C1D885ACE8A5}" destId="{9DAC7C44-A2A6-42EC-B80A-222776A581F2}" srcOrd="2" destOrd="0" parTransId="{5DFBC222-CEA1-4A2D-B5C2-F57AA27171F5}" sibTransId="{DFA3BB64-9F39-4E3B-B625-B4518954928A}"/>
-    <dgm:cxn modelId="{1DCB9C96-BBA2-45B2-BAA7-A2CB34E8A151}" srcId="{9AE636EA-781D-40BB-982E-C1D885ACE8A5}" destId="{8F6F2284-D2A5-4559-ABD0-90B37859EAC9}" srcOrd="1" destOrd="0" parTransId="{34BDC8B1-DC9D-400F-96C3-6FD8418FA9B7}" sibTransId="{251F0F88-AC87-40EA-8912-C493F0470A78}"/>
-    <dgm:cxn modelId="{3A71F12F-38F4-4C56-9EE4-12C06A3A9317}" type="presOf" srcId="{9AE636EA-781D-40BB-982E-C1D885ACE8A5}" destId="{E2D10E44-73BD-4D2D-8E6B-38BA5E93A2A1}" srcOrd="0" destOrd="0" presId="urn:microsoft.com/office/officeart/2005/8/layout/chevron1"/>
-    <dgm:cxn modelId="{58572508-6091-4602-B279-D254EDFBFC63}" type="presOf" srcId="{8CF447A2-26DF-4984-B752-32FAD5C6B98D}" destId="{D5741B37-DF94-443D-A188-14089936259A}" srcOrd="0" destOrd="0" presId="urn:microsoft.com/office/officeart/2005/8/layout/chevron1"/>
-    <dgm:cxn modelId="{C2FDF84F-3712-43F8-92B9-3BF842AE1505}" srcId="{9AE636EA-781D-40BB-982E-C1D885ACE8A5}" destId="{8CF447A2-26DF-4984-B752-32FAD5C6B98D}" srcOrd="0" destOrd="0" parTransId="{88292455-AB1B-4351-AC3A-01F2BD6D910D}" sibTransId="{C1667739-576C-4C99-909B-94FC1593075B}"/>
     <dgm:cxn modelId="{86FDE040-4BBA-4647-A5D8-4235150468DA}" type="presParOf" srcId="{E2D10E44-73BD-4D2D-8E6B-38BA5E93A2A1}" destId="{D5741B37-DF94-443D-A188-14089936259A}" srcOrd="0" destOrd="0" presId="urn:microsoft.com/office/officeart/2005/8/layout/chevron1"/>
     <dgm:cxn modelId="{63162FCE-6714-4BC0-8C56-EAA38E2D34A7}" type="presParOf" srcId="{E2D10E44-73BD-4D2D-8E6B-38BA5E93A2A1}" destId="{D177B09B-042A-494E-A11E-468C12412477}" srcOrd="1" destOrd="0" presId="urn:microsoft.com/office/officeart/2005/8/layout/chevron1"/>
     <dgm:cxn modelId="{02F6D62F-9897-4345-BBF2-71700A280D91}" type="presParOf" srcId="{E2D10E44-73BD-4D2D-8E6B-38BA5E93A2A1}" destId="{4998BFFB-C4A0-4EA3-83A2-3D608F9E3ED1}" srcOrd="2" destOrd="0" presId="urn:microsoft.com/office/officeart/2005/8/layout/chevron1"/>
@@ -11099,13 +10952,6 @@
         </dgm:presLayoutVars>
       </dgm:prSet>
       <dgm:spPr/>
-      <dgm:t>
-        <a:bodyPr/>
-        <a:lstStyle/>
-        <a:p>
-          <a:endParaRPr lang="hu-HU"/>
-        </a:p>
-      </dgm:t>
     </dgm:pt>
     <dgm:pt modelId="{D177B09B-042A-494E-A11E-468C12412477}" type="pres">
       <dgm:prSet presAssocID="{C1667739-576C-4C99-909B-94FC1593075B}" presName="parTxOnlySpace" presStyleCnt="0"/>
@@ -11120,13 +10966,6 @@
         </dgm:presLayoutVars>
       </dgm:prSet>
       <dgm:spPr/>
-      <dgm:t>
-        <a:bodyPr/>
-        <a:lstStyle/>
-        <a:p>
-          <a:endParaRPr lang="hu-HU"/>
-        </a:p>
-      </dgm:t>
     </dgm:pt>
     <dgm:pt modelId="{24403B94-C44E-4F06-9A1B-36896CBE2818}" type="pres">
       <dgm:prSet presAssocID="{251F0F88-AC87-40EA-8912-C493F0470A78}" presName="parTxOnlySpace" presStyleCnt="0"/>
@@ -11141,23 +10980,16 @@
         </dgm:presLayoutVars>
       </dgm:prSet>
       <dgm:spPr/>
-      <dgm:t>
-        <a:bodyPr/>
-        <a:lstStyle/>
-        <a:p>
-          <a:endParaRPr lang="hu-HU"/>
-        </a:p>
-      </dgm:t>
     </dgm:pt>
   </dgm:ptLst>
   <dgm:cxnLst>
+    <dgm:cxn modelId="{58572508-6091-4602-B279-D254EDFBFC63}" type="presOf" srcId="{8CF447A2-26DF-4984-B752-32FAD5C6B98D}" destId="{D5741B37-DF94-443D-A188-14089936259A}" srcOrd="0" destOrd="0" presId="urn:microsoft.com/office/officeart/2005/8/layout/chevron1"/>
+    <dgm:cxn modelId="{04C60A2A-D50D-4826-9833-88B9940EF4E4}" srcId="{9AE636EA-781D-40BB-982E-C1D885ACE8A5}" destId="{9DAC7C44-A2A6-42EC-B80A-222776A581F2}" srcOrd="2" destOrd="0" parTransId="{5DFBC222-CEA1-4A2D-B5C2-F57AA27171F5}" sibTransId="{DFA3BB64-9F39-4E3B-B625-B4518954928A}"/>
+    <dgm:cxn modelId="{3A71F12F-38F4-4C56-9EE4-12C06A3A9317}" type="presOf" srcId="{9AE636EA-781D-40BB-982E-C1D885ACE8A5}" destId="{E2D10E44-73BD-4D2D-8E6B-38BA5E93A2A1}" srcOrd="0" destOrd="0" presId="urn:microsoft.com/office/officeart/2005/8/layout/chevron1"/>
+    <dgm:cxn modelId="{888D734C-2C2C-4F95-A670-39E9408BD15D}" type="presOf" srcId="{9DAC7C44-A2A6-42EC-B80A-222776A581F2}" destId="{7A041366-B0FB-4C06-BF3C-CC5BD8B505A8}" srcOrd="0" destOrd="0" presId="urn:microsoft.com/office/officeart/2005/8/layout/chevron1"/>
+    <dgm:cxn modelId="{C2FDF84F-3712-43F8-92B9-3BF842AE1505}" srcId="{9AE636EA-781D-40BB-982E-C1D885ACE8A5}" destId="{8CF447A2-26DF-4984-B752-32FAD5C6B98D}" srcOrd="0" destOrd="0" parTransId="{88292455-AB1B-4351-AC3A-01F2BD6D910D}" sibTransId="{C1667739-576C-4C99-909B-94FC1593075B}"/>
+    <dgm:cxn modelId="{1DCB9C96-BBA2-45B2-BAA7-A2CB34E8A151}" srcId="{9AE636EA-781D-40BB-982E-C1D885ACE8A5}" destId="{8F6F2284-D2A5-4559-ABD0-90B37859EAC9}" srcOrd="1" destOrd="0" parTransId="{34BDC8B1-DC9D-400F-96C3-6FD8418FA9B7}" sibTransId="{251F0F88-AC87-40EA-8912-C493F0470A78}"/>
     <dgm:cxn modelId="{6C926DD9-218E-46BD-A80F-B5C13A3B3680}" type="presOf" srcId="{8F6F2284-D2A5-4559-ABD0-90B37859EAC9}" destId="{4998BFFB-C4A0-4EA3-83A2-3D608F9E3ED1}" srcOrd="0" destOrd="0" presId="urn:microsoft.com/office/officeart/2005/8/layout/chevron1"/>
-    <dgm:cxn modelId="{888D734C-2C2C-4F95-A670-39E9408BD15D}" type="presOf" srcId="{9DAC7C44-A2A6-42EC-B80A-222776A581F2}" destId="{7A041366-B0FB-4C06-BF3C-CC5BD8B505A8}" srcOrd="0" destOrd="0" presId="urn:microsoft.com/office/officeart/2005/8/layout/chevron1"/>
-    <dgm:cxn modelId="{04C60A2A-D50D-4826-9833-88B9940EF4E4}" srcId="{9AE636EA-781D-40BB-982E-C1D885ACE8A5}" destId="{9DAC7C44-A2A6-42EC-B80A-222776A581F2}" srcOrd="2" destOrd="0" parTransId="{5DFBC222-CEA1-4A2D-B5C2-F57AA27171F5}" sibTransId="{DFA3BB64-9F39-4E3B-B625-B4518954928A}"/>
-    <dgm:cxn modelId="{1DCB9C96-BBA2-45B2-BAA7-A2CB34E8A151}" srcId="{9AE636EA-781D-40BB-982E-C1D885ACE8A5}" destId="{8F6F2284-D2A5-4559-ABD0-90B37859EAC9}" srcOrd="1" destOrd="0" parTransId="{34BDC8B1-DC9D-400F-96C3-6FD8418FA9B7}" sibTransId="{251F0F88-AC87-40EA-8912-C493F0470A78}"/>
-    <dgm:cxn modelId="{3A71F12F-38F4-4C56-9EE4-12C06A3A9317}" type="presOf" srcId="{9AE636EA-781D-40BB-982E-C1D885ACE8A5}" destId="{E2D10E44-73BD-4D2D-8E6B-38BA5E93A2A1}" srcOrd="0" destOrd="0" presId="urn:microsoft.com/office/officeart/2005/8/layout/chevron1"/>
-    <dgm:cxn modelId="{58572508-6091-4602-B279-D254EDFBFC63}" type="presOf" srcId="{8CF447A2-26DF-4984-B752-32FAD5C6B98D}" destId="{D5741B37-DF94-443D-A188-14089936259A}" srcOrd="0" destOrd="0" presId="urn:microsoft.com/office/officeart/2005/8/layout/chevron1"/>
-    <dgm:cxn modelId="{C2FDF84F-3712-43F8-92B9-3BF842AE1505}" srcId="{9AE636EA-781D-40BB-982E-C1D885ACE8A5}" destId="{8CF447A2-26DF-4984-B752-32FAD5C6B98D}" srcOrd="0" destOrd="0" parTransId="{88292455-AB1B-4351-AC3A-01F2BD6D910D}" sibTransId="{C1667739-576C-4C99-909B-94FC1593075B}"/>
     <dgm:cxn modelId="{86FDE040-4BBA-4647-A5D8-4235150468DA}" type="presParOf" srcId="{E2D10E44-73BD-4D2D-8E6B-38BA5E93A2A1}" destId="{D5741B37-DF94-443D-A188-14089936259A}" srcOrd="0" destOrd="0" presId="urn:microsoft.com/office/officeart/2005/8/layout/chevron1"/>
     <dgm:cxn modelId="{63162FCE-6714-4BC0-8C56-EAA38E2D34A7}" type="presParOf" srcId="{E2D10E44-73BD-4D2D-8E6B-38BA5E93A2A1}" destId="{D177B09B-042A-494E-A11E-468C12412477}" srcOrd="1" destOrd="0" presId="urn:microsoft.com/office/officeart/2005/8/layout/chevron1"/>
     <dgm:cxn modelId="{02F6D62F-9897-4345-BBF2-71700A280D91}" type="presParOf" srcId="{E2D10E44-73BD-4D2D-8E6B-38BA5E93A2A1}" destId="{4998BFFB-C4A0-4EA3-83A2-3D608F9E3ED1}" srcOrd="2" destOrd="0" presId="urn:microsoft.com/office/officeart/2005/8/layout/chevron1"/>
@@ -11358,13 +11190,6 @@
         </dgm:presLayoutVars>
       </dgm:prSet>
       <dgm:spPr/>
-      <dgm:t>
-        <a:bodyPr/>
-        <a:lstStyle/>
-        <a:p>
-          <a:endParaRPr lang="hu-HU"/>
-        </a:p>
-      </dgm:t>
     </dgm:pt>
     <dgm:pt modelId="{D177B09B-042A-494E-A11E-468C12412477}" type="pres">
       <dgm:prSet presAssocID="{C1667739-576C-4C99-909B-94FC1593075B}" presName="parTxOnlySpace" presStyleCnt="0"/>
@@ -11379,13 +11204,6 @@
         </dgm:presLayoutVars>
       </dgm:prSet>
       <dgm:spPr/>
-      <dgm:t>
-        <a:bodyPr/>
-        <a:lstStyle/>
-        <a:p>
-          <a:endParaRPr lang="hu-HU"/>
-        </a:p>
-      </dgm:t>
     </dgm:pt>
     <dgm:pt modelId="{24403B94-C44E-4F06-9A1B-36896CBE2818}" type="pres">
       <dgm:prSet presAssocID="{251F0F88-AC87-40EA-8912-C493F0470A78}" presName="parTxOnlySpace" presStyleCnt="0"/>
@@ -11400,23 +11218,16 @@
         </dgm:presLayoutVars>
       </dgm:prSet>
       <dgm:spPr/>
-      <dgm:t>
-        <a:bodyPr/>
-        <a:lstStyle/>
-        <a:p>
-          <a:endParaRPr lang="hu-HU"/>
-        </a:p>
-      </dgm:t>
     </dgm:pt>
   </dgm:ptLst>
   <dgm:cxnLst>
     <dgm:cxn modelId="{04C60A2A-D50D-4826-9833-88B9940EF4E4}" srcId="{9AE636EA-781D-40BB-982E-C1D885ACE8A5}" destId="{9DAC7C44-A2A6-42EC-B80A-222776A581F2}" srcOrd="2" destOrd="0" parTransId="{5DFBC222-CEA1-4A2D-B5C2-F57AA27171F5}" sibTransId="{DFA3BB64-9F39-4E3B-B625-B4518954928A}"/>
     <dgm:cxn modelId="{3F200F32-468B-405E-B6CF-709E49BC4D2C}" type="presOf" srcId="{8F6F2284-D2A5-4559-ABD0-90B37859EAC9}" destId="{4998BFFB-C4A0-4EA3-83A2-3D608F9E3ED1}" srcOrd="0" destOrd="0" presId="urn:microsoft.com/office/officeart/2005/8/layout/chevron1"/>
+    <dgm:cxn modelId="{7DDDCD39-D264-4A79-8F42-3B4DE2CB7D87}" type="presOf" srcId="{9AE636EA-781D-40BB-982E-C1D885ACE8A5}" destId="{E2D10E44-73BD-4D2D-8E6B-38BA5E93A2A1}" srcOrd="0" destOrd="0" presId="urn:microsoft.com/office/officeart/2005/8/layout/chevron1"/>
     <dgm:cxn modelId="{2635E039-25DB-4A20-9672-09319AE1E661}" type="presOf" srcId="{8CF447A2-26DF-4984-B752-32FAD5C6B98D}" destId="{D5741B37-DF94-443D-A188-14089936259A}" srcOrd="0" destOrd="0" presId="urn:microsoft.com/office/officeart/2005/8/layout/chevron1"/>
-    <dgm:cxn modelId="{1DCB9C96-BBA2-45B2-BAA7-A2CB34E8A151}" srcId="{9AE636EA-781D-40BB-982E-C1D885ACE8A5}" destId="{8F6F2284-D2A5-4559-ABD0-90B37859EAC9}" srcOrd="1" destOrd="0" parTransId="{34BDC8B1-DC9D-400F-96C3-6FD8418FA9B7}" sibTransId="{251F0F88-AC87-40EA-8912-C493F0470A78}"/>
-    <dgm:cxn modelId="{7DDDCD39-D264-4A79-8F42-3B4DE2CB7D87}" type="presOf" srcId="{9AE636EA-781D-40BB-982E-C1D885ACE8A5}" destId="{E2D10E44-73BD-4D2D-8E6B-38BA5E93A2A1}" srcOrd="0" destOrd="0" presId="urn:microsoft.com/office/officeart/2005/8/layout/chevron1"/>
     <dgm:cxn modelId="{1B8E7368-FCBA-4954-B8C2-E662213F522B}" type="presOf" srcId="{9DAC7C44-A2A6-42EC-B80A-222776A581F2}" destId="{7A041366-B0FB-4C06-BF3C-CC5BD8B505A8}" srcOrd="0" destOrd="0" presId="urn:microsoft.com/office/officeart/2005/8/layout/chevron1"/>
     <dgm:cxn modelId="{C2FDF84F-3712-43F8-92B9-3BF842AE1505}" srcId="{9AE636EA-781D-40BB-982E-C1D885ACE8A5}" destId="{8CF447A2-26DF-4984-B752-32FAD5C6B98D}" srcOrd="0" destOrd="0" parTransId="{88292455-AB1B-4351-AC3A-01F2BD6D910D}" sibTransId="{C1667739-576C-4C99-909B-94FC1593075B}"/>
+    <dgm:cxn modelId="{1DCB9C96-BBA2-45B2-BAA7-A2CB34E8A151}" srcId="{9AE636EA-781D-40BB-982E-C1D885ACE8A5}" destId="{8F6F2284-D2A5-4559-ABD0-90B37859EAC9}" srcOrd="1" destOrd="0" parTransId="{34BDC8B1-DC9D-400F-96C3-6FD8418FA9B7}" sibTransId="{251F0F88-AC87-40EA-8912-C493F0470A78}"/>
     <dgm:cxn modelId="{8A65CF37-8EA6-434B-BD1F-901FD5944B7F}" type="presParOf" srcId="{E2D10E44-73BD-4D2D-8E6B-38BA5E93A2A1}" destId="{D5741B37-DF94-443D-A188-14089936259A}" srcOrd="0" destOrd="0" presId="urn:microsoft.com/office/officeart/2005/8/layout/chevron1"/>
     <dgm:cxn modelId="{225A520F-A9CE-499A-93A5-36E5CC402342}" type="presParOf" srcId="{E2D10E44-73BD-4D2D-8E6B-38BA5E93A2A1}" destId="{D177B09B-042A-494E-A11E-468C12412477}" srcOrd="1" destOrd="0" presId="urn:microsoft.com/office/officeart/2005/8/layout/chevron1"/>
     <dgm:cxn modelId="{2FF912D2-3496-416B-889C-9C66EDA0F3B1}" type="presParOf" srcId="{E2D10E44-73BD-4D2D-8E6B-38BA5E93A2A1}" destId="{4998BFFB-C4A0-4EA3-83A2-3D608F9E3ED1}" srcOrd="2" destOrd="0" presId="urn:microsoft.com/office/officeart/2005/8/layout/chevron1"/>
@@ -11618,13 +11429,6 @@
         </dgm:presLayoutVars>
       </dgm:prSet>
       <dgm:spPr/>
-      <dgm:t>
-        <a:bodyPr/>
-        <a:lstStyle/>
-        <a:p>
-          <a:endParaRPr lang="hu-HU"/>
-        </a:p>
-      </dgm:t>
     </dgm:pt>
     <dgm:pt modelId="{D177B09B-042A-494E-A11E-468C12412477}" type="pres">
       <dgm:prSet presAssocID="{C1667739-576C-4C99-909B-94FC1593075B}" presName="parTxOnlySpace" presStyleCnt="0"/>
@@ -11639,13 +11443,6 @@
         </dgm:presLayoutVars>
       </dgm:prSet>
       <dgm:spPr/>
-      <dgm:t>
-        <a:bodyPr/>
-        <a:lstStyle/>
-        <a:p>
-          <a:endParaRPr lang="hu-HU"/>
-        </a:p>
-      </dgm:t>
     </dgm:pt>
     <dgm:pt modelId="{24403B94-C44E-4F06-9A1B-36896CBE2818}" type="pres">
       <dgm:prSet presAssocID="{251F0F88-AC87-40EA-8912-C493F0470A78}" presName="parTxOnlySpace" presStyleCnt="0"/>
@@ -11660,23 +11457,16 @@
         </dgm:presLayoutVars>
       </dgm:prSet>
       <dgm:spPr/>
-      <dgm:t>
-        <a:bodyPr/>
-        <a:lstStyle/>
-        <a:p>
-          <a:endParaRPr lang="hu-HU"/>
-        </a:p>
-      </dgm:t>
     </dgm:pt>
   </dgm:ptLst>
   <dgm:cxnLst>
+    <dgm:cxn modelId="{58572508-6091-4602-B279-D254EDFBFC63}" type="presOf" srcId="{8CF447A2-26DF-4984-B752-32FAD5C6B98D}" destId="{D5741B37-DF94-443D-A188-14089936259A}" srcOrd="0" destOrd="0" presId="urn:microsoft.com/office/officeart/2005/8/layout/chevron1"/>
+    <dgm:cxn modelId="{04C60A2A-D50D-4826-9833-88B9940EF4E4}" srcId="{9AE636EA-781D-40BB-982E-C1D885ACE8A5}" destId="{9DAC7C44-A2A6-42EC-B80A-222776A581F2}" srcOrd="2" destOrd="0" parTransId="{5DFBC222-CEA1-4A2D-B5C2-F57AA27171F5}" sibTransId="{DFA3BB64-9F39-4E3B-B625-B4518954928A}"/>
+    <dgm:cxn modelId="{3A71F12F-38F4-4C56-9EE4-12C06A3A9317}" type="presOf" srcId="{9AE636EA-781D-40BB-982E-C1D885ACE8A5}" destId="{E2D10E44-73BD-4D2D-8E6B-38BA5E93A2A1}" srcOrd="0" destOrd="0" presId="urn:microsoft.com/office/officeart/2005/8/layout/chevron1"/>
+    <dgm:cxn modelId="{888D734C-2C2C-4F95-A670-39E9408BD15D}" type="presOf" srcId="{9DAC7C44-A2A6-42EC-B80A-222776A581F2}" destId="{7A041366-B0FB-4C06-BF3C-CC5BD8B505A8}" srcOrd="0" destOrd="0" presId="urn:microsoft.com/office/officeart/2005/8/layout/chevron1"/>
+    <dgm:cxn modelId="{C2FDF84F-3712-43F8-92B9-3BF842AE1505}" srcId="{9AE636EA-781D-40BB-982E-C1D885ACE8A5}" destId="{8CF447A2-26DF-4984-B752-32FAD5C6B98D}" srcOrd="0" destOrd="0" parTransId="{88292455-AB1B-4351-AC3A-01F2BD6D910D}" sibTransId="{C1667739-576C-4C99-909B-94FC1593075B}"/>
+    <dgm:cxn modelId="{1DCB9C96-BBA2-45B2-BAA7-A2CB34E8A151}" srcId="{9AE636EA-781D-40BB-982E-C1D885ACE8A5}" destId="{8F6F2284-D2A5-4559-ABD0-90B37859EAC9}" srcOrd="1" destOrd="0" parTransId="{34BDC8B1-DC9D-400F-96C3-6FD8418FA9B7}" sibTransId="{251F0F88-AC87-40EA-8912-C493F0470A78}"/>
     <dgm:cxn modelId="{6C926DD9-218E-46BD-A80F-B5C13A3B3680}" type="presOf" srcId="{8F6F2284-D2A5-4559-ABD0-90B37859EAC9}" destId="{4998BFFB-C4A0-4EA3-83A2-3D608F9E3ED1}" srcOrd="0" destOrd="0" presId="urn:microsoft.com/office/officeart/2005/8/layout/chevron1"/>
-    <dgm:cxn modelId="{888D734C-2C2C-4F95-A670-39E9408BD15D}" type="presOf" srcId="{9DAC7C44-A2A6-42EC-B80A-222776A581F2}" destId="{7A041366-B0FB-4C06-BF3C-CC5BD8B505A8}" srcOrd="0" destOrd="0" presId="urn:microsoft.com/office/officeart/2005/8/layout/chevron1"/>
-    <dgm:cxn modelId="{04C60A2A-D50D-4826-9833-88B9940EF4E4}" srcId="{9AE636EA-781D-40BB-982E-C1D885ACE8A5}" destId="{9DAC7C44-A2A6-42EC-B80A-222776A581F2}" srcOrd="2" destOrd="0" parTransId="{5DFBC222-CEA1-4A2D-B5C2-F57AA27171F5}" sibTransId="{DFA3BB64-9F39-4E3B-B625-B4518954928A}"/>
-    <dgm:cxn modelId="{1DCB9C96-BBA2-45B2-BAA7-A2CB34E8A151}" srcId="{9AE636EA-781D-40BB-982E-C1D885ACE8A5}" destId="{8F6F2284-D2A5-4559-ABD0-90B37859EAC9}" srcOrd="1" destOrd="0" parTransId="{34BDC8B1-DC9D-400F-96C3-6FD8418FA9B7}" sibTransId="{251F0F88-AC87-40EA-8912-C493F0470A78}"/>
-    <dgm:cxn modelId="{3A71F12F-38F4-4C56-9EE4-12C06A3A9317}" type="presOf" srcId="{9AE636EA-781D-40BB-982E-C1D885ACE8A5}" destId="{E2D10E44-73BD-4D2D-8E6B-38BA5E93A2A1}" srcOrd="0" destOrd="0" presId="urn:microsoft.com/office/officeart/2005/8/layout/chevron1"/>
-    <dgm:cxn modelId="{58572508-6091-4602-B279-D254EDFBFC63}" type="presOf" srcId="{8CF447A2-26DF-4984-B752-32FAD5C6B98D}" destId="{D5741B37-DF94-443D-A188-14089936259A}" srcOrd="0" destOrd="0" presId="urn:microsoft.com/office/officeart/2005/8/layout/chevron1"/>
-    <dgm:cxn modelId="{C2FDF84F-3712-43F8-92B9-3BF842AE1505}" srcId="{9AE636EA-781D-40BB-982E-C1D885ACE8A5}" destId="{8CF447A2-26DF-4984-B752-32FAD5C6B98D}" srcOrd="0" destOrd="0" parTransId="{88292455-AB1B-4351-AC3A-01F2BD6D910D}" sibTransId="{C1667739-576C-4C99-909B-94FC1593075B}"/>
     <dgm:cxn modelId="{86FDE040-4BBA-4647-A5D8-4235150468DA}" type="presParOf" srcId="{E2D10E44-73BD-4D2D-8E6B-38BA5E93A2A1}" destId="{D5741B37-DF94-443D-A188-14089936259A}" srcOrd="0" destOrd="0" presId="urn:microsoft.com/office/officeart/2005/8/layout/chevron1"/>
     <dgm:cxn modelId="{63162FCE-6714-4BC0-8C56-EAA38E2D34A7}" type="presParOf" srcId="{E2D10E44-73BD-4D2D-8E6B-38BA5E93A2A1}" destId="{D177B09B-042A-494E-A11E-468C12412477}" srcOrd="1" destOrd="0" presId="urn:microsoft.com/office/officeart/2005/8/layout/chevron1"/>
     <dgm:cxn modelId="{02F6D62F-9897-4345-BBF2-71700A280D91}" type="presParOf" srcId="{E2D10E44-73BD-4D2D-8E6B-38BA5E93A2A1}" destId="{4998BFFB-C4A0-4EA3-83A2-3D608F9E3ED1}" srcOrd="2" destOrd="0" presId="urn:microsoft.com/office/officeart/2005/8/layout/chevron1"/>
@@ -11878,13 +11668,6 @@
         </dgm:presLayoutVars>
       </dgm:prSet>
       <dgm:spPr/>
-      <dgm:t>
-        <a:bodyPr/>
-        <a:lstStyle/>
-        <a:p>
-          <a:endParaRPr lang="hu-HU"/>
-        </a:p>
-      </dgm:t>
     </dgm:pt>
     <dgm:pt modelId="{D177B09B-042A-494E-A11E-468C12412477}" type="pres">
       <dgm:prSet presAssocID="{C1667739-576C-4C99-909B-94FC1593075B}" presName="parTxOnlySpace" presStyleCnt="0"/>
@@ -11899,13 +11682,6 @@
         </dgm:presLayoutVars>
       </dgm:prSet>
       <dgm:spPr/>
-      <dgm:t>
-        <a:bodyPr/>
-        <a:lstStyle/>
-        <a:p>
-          <a:endParaRPr lang="hu-HU"/>
-        </a:p>
-      </dgm:t>
     </dgm:pt>
     <dgm:pt modelId="{24403B94-C44E-4F06-9A1B-36896CBE2818}" type="pres">
       <dgm:prSet presAssocID="{251F0F88-AC87-40EA-8912-C493F0470A78}" presName="parTxOnlySpace" presStyleCnt="0"/>
@@ -11920,23 +11696,16 @@
         </dgm:presLayoutVars>
       </dgm:prSet>
       <dgm:spPr/>
-      <dgm:t>
-        <a:bodyPr/>
-        <a:lstStyle/>
-        <a:p>
-          <a:endParaRPr lang="hu-HU"/>
-        </a:p>
-      </dgm:t>
     </dgm:pt>
   </dgm:ptLst>
   <dgm:cxnLst>
+    <dgm:cxn modelId="{58572508-6091-4602-B279-D254EDFBFC63}" type="presOf" srcId="{8CF447A2-26DF-4984-B752-32FAD5C6B98D}" destId="{D5741B37-DF94-443D-A188-14089936259A}" srcOrd="0" destOrd="0" presId="urn:microsoft.com/office/officeart/2005/8/layout/chevron1"/>
+    <dgm:cxn modelId="{04C60A2A-D50D-4826-9833-88B9940EF4E4}" srcId="{9AE636EA-781D-40BB-982E-C1D885ACE8A5}" destId="{9DAC7C44-A2A6-42EC-B80A-222776A581F2}" srcOrd="2" destOrd="0" parTransId="{5DFBC222-CEA1-4A2D-B5C2-F57AA27171F5}" sibTransId="{DFA3BB64-9F39-4E3B-B625-B4518954928A}"/>
+    <dgm:cxn modelId="{3A71F12F-38F4-4C56-9EE4-12C06A3A9317}" type="presOf" srcId="{9AE636EA-781D-40BB-982E-C1D885ACE8A5}" destId="{E2D10E44-73BD-4D2D-8E6B-38BA5E93A2A1}" srcOrd="0" destOrd="0" presId="urn:microsoft.com/office/officeart/2005/8/layout/chevron1"/>
+    <dgm:cxn modelId="{888D734C-2C2C-4F95-A670-39E9408BD15D}" type="presOf" srcId="{9DAC7C44-A2A6-42EC-B80A-222776A581F2}" destId="{7A041366-B0FB-4C06-BF3C-CC5BD8B505A8}" srcOrd="0" destOrd="0" presId="urn:microsoft.com/office/officeart/2005/8/layout/chevron1"/>
+    <dgm:cxn modelId="{C2FDF84F-3712-43F8-92B9-3BF842AE1505}" srcId="{9AE636EA-781D-40BB-982E-C1D885ACE8A5}" destId="{8CF447A2-26DF-4984-B752-32FAD5C6B98D}" srcOrd="0" destOrd="0" parTransId="{88292455-AB1B-4351-AC3A-01F2BD6D910D}" sibTransId="{C1667739-576C-4C99-909B-94FC1593075B}"/>
+    <dgm:cxn modelId="{1DCB9C96-BBA2-45B2-BAA7-A2CB34E8A151}" srcId="{9AE636EA-781D-40BB-982E-C1D885ACE8A5}" destId="{8F6F2284-D2A5-4559-ABD0-90B37859EAC9}" srcOrd="1" destOrd="0" parTransId="{34BDC8B1-DC9D-400F-96C3-6FD8418FA9B7}" sibTransId="{251F0F88-AC87-40EA-8912-C493F0470A78}"/>
     <dgm:cxn modelId="{6C926DD9-218E-46BD-A80F-B5C13A3B3680}" type="presOf" srcId="{8F6F2284-D2A5-4559-ABD0-90B37859EAC9}" destId="{4998BFFB-C4A0-4EA3-83A2-3D608F9E3ED1}" srcOrd="0" destOrd="0" presId="urn:microsoft.com/office/officeart/2005/8/layout/chevron1"/>
-    <dgm:cxn modelId="{888D734C-2C2C-4F95-A670-39E9408BD15D}" type="presOf" srcId="{9DAC7C44-A2A6-42EC-B80A-222776A581F2}" destId="{7A041366-B0FB-4C06-BF3C-CC5BD8B505A8}" srcOrd="0" destOrd="0" presId="urn:microsoft.com/office/officeart/2005/8/layout/chevron1"/>
-    <dgm:cxn modelId="{04C60A2A-D50D-4826-9833-88B9940EF4E4}" srcId="{9AE636EA-781D-40BB-982E-C1D885ACE8A5}" destId="{9DAC7C44-A2A6-42EC-B80A-222776A581F2}" srcOrd="2" destOrd="0" parTransId="{5DFBC222-CEA1-4A2D-B5C2-F57AA27171F5}" sibTransId="{DFA3BB64-9F39-4E3B-B625-B4518954928A}"/>
-    <dgm:cxn modelId="{1DCB9C96-BBA2-45B2-BAA7-A2CB34E8A151}" srcId="{9AE636EA-781D-40BB-982E-C1D885ACE8A5}" destId="{8F6F2284-D2A5-4559-ABD0-90B37859EAC9}" srcOrd="1" destOrd="0" parTransId="{34BDC8B1-DC9D-400F-96C3-6FD8418FA9B7}" sibTransId="{251F0F88-AC87-40EA-8912-C493F0470A78}"/>
-    <dgm:cxn modelId="{3A71F12F-38F4-4C56-9EE4-12C06A3A9317}" type="presOf" srcId="{9AE636EA-781D-40BB-982E-C1D885ACE8A5}" destId="{E2D10E44-73BD-4D2D-8E6B-38BA5E93A2A1}" srcOrd="0" destOrd="0" presId="urn:microsoft.com/office/officeart/2005/8/layout/chevron1"/>
-    <dgm:cxn modelId="{58572508-6091-4602-B279-D254EDFBFC63}" type="presOf" srcId="{8CF447A2-26DF-4984-B752-32FAD5C6B98D}" destId="{D5741B37-DF94-443D-A188-14089936259A}" srcOrd="0" destOrd="0" presId="urn:microsoft.com/office/officeart/2005/8/layout/chevron1"/>
-    <dgm:cxn modelId="{C2FDF84F-3712-43F8-92B9-3BF842AE1505}" srcId="{9AE636EA-781D-40BB-982E-C1D885ACE8A5}" destId="{8CF447A2-26DF-4984-B752-32FAD5C6B98D}" srcOrd="0" destOrd="0" parTransId="{88292455-AB1B-4351-AC3A-01F2BD6D910D}" sibTransId="{C1667739-576C-4C99-909B-94FC1593075B}"/>
     <dgm:cxn modelId="{86FDE040-4BBA-4647-A5D8-4235150468DA}" type="presParOf" srcId="{E2D10E44-73BD-4D2D-8E6B-38BA5E93A2A1}" destId="{D5741B37-DF94-443D-A188-14089936259A}" srcOrd="0" destOrd="0" presId="urn:microsoft.com/office/officeart/2005/8/layout/chevron1"/>
     <dgm:cxn modelId="{63162FCE-6714-4BC0-8C56-EAA38E2D34A7}" type="presParOf" srcId="{E2D10E44-73BD-4D2D-8E6B-38BA5E93A2A1}" destId="{D177B09B-042A-494E-A11E-468C12412477}" srcOrd="1" destOrd="0" presId="urn:microsoft.com/office/officeart/2005/8/layout/chevron1"/>
     <dgm:cxn modelId="{02F6D62F-9897-4345-BBF2-71700A280D91}" type="presParOf" srcId="{E2D10E44-73BD-4D2D-8E6B-38BA5E93A2A1}" destId="{4998BFFB-C4A0-4EA3-83A2-3D608F9E3ED1}" srcOrd="2" destOrd="0" presId="urn:microsoft.com/office/officeart/2005/8/layout/chevron1"/>
@@ -12138,13 +11907,6 @@
         </dgm:presLayoutVars>
       </dgm:prSet>
       <dgm:spPr/>
-      <dgm:t>
-        <a:bodyPr/>
-        <a:lstStyle/>
-        <a:p>
-          <a:endParaRPr lang="hu-HU"/>
-        </a:p>
-      </dgm:t>
     </dgm:pt>
     <dgm:pt modelId="{D177B09B-042A-494E-A11E-468C12412477}" type="pres">
       <dgm:prSet presAssocID="{C1667739-576C-4C99-909B-94FC1593075B}" presName="parTxOnlySpace" presStyleCnt="0"/>
@@ -12159,13 +11921,6 @@
         </dgm:presLayoutVars>
       </dgm:prSet>
       <dgm:spPr/>
-      <dgm:t>
-        <a:bodyPr/>
-        <a:lstStyle/>
-        <a:p>
-          <a:endParaRPr lang="hu-HU"/>
-        </a:p>
-      </dgm:t>
     </dgm:pt>
     <dgm:pt modelId="{24403B94-C44E-4F06-9A1B-36896CBE2818}" type="pres">
       <dgm:prSet presAssocID="{251F0F88-AC87-40EA-8912-C493F0470A78}" presName="parTxOnlySpace" presStyleCnt="0"/>
@@ -12180,23 +11935,16 @@
         </dgm:presLayoutVars>
       </dgm:prSet>
       <dgm:spPr/>
-      <dgm:t>
-        <a:bodyPr/>
-        <a:lstStyle/>
-        <a:p>
-          <a:endParaRPr lang="hu-HU"/>
-        </a:p>
-      </dgm:t>
     </dgm:pt>
   </dgm:ptLst>
   <dgm:cxnLst>
+    <dgm:cxn modelId="{58572508-6091-4602-B279-D254EDFBFC63}" type="presOf" srcId="{8CF447A2-26DF-4984-B752-32FAD5C6B98D}" destId="{D5741B37-DF94-443D-A188-14089936259A}" srcOrd="0" destOrd="0" presId="urn:microsoft.com/office/officeart/2005/8/layout/chevron1"/>
+    <dgm:cxn modelId="{04C60A2A-D50D-4826-9833-88B9940EF4E4}" srcId="{9AE636EA-781D-40BB-982E-C1D885ACE8A5}" destId="{9DAC7C44-A2A6-42EC-B80A-222776A581F2}" srcOrd="2" destOrd="0" parTransId="{5DFBC222-CEA1-4A2D-B5C2-F57AA27171F5}" sibTransId="{DFA3BB64-9F39-4E3B-B625-B4518954928A}"/>
+    <dgm:cxn modelId="{3A71F12F-38F4-4C56-9EE4-12C06A3A9317}" type="presOf" srcId="{9AE636EA-781D-40BB-982E-C1D885ACE8A5}" destId="{E2D10E44-73BD-4D2D-8E6B-38BA5E93A2A1}" srcOrd="0" destOrd="0" presId="urn:microsoft.com/office/officeart/2005/8/layout/chevron1"/>
+    <dgm:cxn modelId="{888D734C-2C2C-4F95-A670-39E9408BD15D}" type="presOf" srcId="{9DAC7C44-A2A6-42EC-B80A-222776A581F2}" destId="{7A041366-B0FB-4C06-BF3C-CC5BD8B505A8}" srcOrd="0" destOrd="0" presId="urn:microsoft.com/office/officeart/2005/8/layout/chevron1"/>
+    <dgm:cxn modelId="{C2FDF84F-3712-43F8-92B9-3BF842AE1505}" srcId="{9AE636EA-781D-40BB-982E-C1D885ACE8A5}" destId="{8CF447A2-26DF-4984-B752-32FAD5C6B98D}" srcOrd="0" destOrd="0" parTransId="{88292455-AB1B-4351-AC3A-01F2BD6D910D}" sibTransId="{C1667739-576C-4C99-909B-94FC1593075B}"/>
+    <dgm:cxn modelId="{1DCB9C96-BBA2-45B2-BAA7-A2CB34E8A151}" srcId="{9AE636EA-781D-40BB-982E-C1D885ACE8A5}" destId="{8F6F2284-D2A5-4559-ABD0-90B37859EAC9}" srcOrd="1" destOrd="0" parTransId="{34BDC8B1-DC9D-400F-96C3-6FD8418FA9B7}" sibTransId="{251F0F88-AC87-40EA-8912-C493F0470A78}"/>
     <dgm:cxn modelId="{6C926DD9-218E-46BD-A80F-B5C13A3B3680}" type="presOf" srcId="{8F6F2284-D2A5-4559-ABD0-90B37859EAC9}" destId="{4998BFFB-C4A0-4EA3-83A2-3D608F9E3ED1}" srcOrd="0" destOrd="0" presId="urn:microsoft.com/office/officeart/2005/8/layout/chevron1"/>
-    <dgm:cxn modelId="{888D734C-2C2C-4F95-A670-39E9408BD15D}" type="presOf" srcId="{9DAC7C44-A2A6-42EC-B80A-222776A581F2}" destId="{7A041366-B0FB-4C06-BF3C-CC5BD8B505A8}" srcOrd="0" destOrd="0" presId="urn:microsoft.com/office/officeart/2005/8/layout/chevron1"/>
-    <dgm:cxn modelId="{04C60A2A-D50D-4826-9833-88B9940EF4E4}" srcId="{9AE636EA-781D-40BB-982E-C1D885ACE8A5}" destId="{9DAC7C44-A2A6-42EC-B80A-222776A581F2}" srcOrd="2" destOrd="0" parTransId="{5DFBC222-CEA1-4A2D-B5C2-F57AA27171F5}" sibTransId="{DFA3BB64-9F39-4E3B-B625-B4518954928A}"/>
-    <dgm:cxn modelId="{1DCB9C96-BBA2-45B2-BAA7-A2CB34E8A151}" srcId="{9AE636EA-781D-40BB-982E-C1D885ACE8A5}" destId="{8F6F2284-D2A5-4559-ABD0-90B37859EAC9}" srcOrd="1" destOrd="0" parTransId="{34BDC8B1-DC9D-400F-96C3-6FD8418FA9B7}" sibTransId="{251F0F88-AC87-40EA-8912-C493F0470A78}"/>
-    <dgm:cxn modelId="{3A71F12F-38F4-4C56-9EE4-12C06A3A9317}" type="presOf" srcId="{9AE636EA-781D-40BB-982E-C1D885ACE8A5}" destId="{E2D10E44-73BD-4D2D-8E6B-38BA5E93A2A1}" srcOrd="0" destOrd="0" presId="urn:microsoft.com/office/officeart/2005/8/layout/chevron1"/>
-    <dgm:cxn modelId="{58572508-6091-4602-B279-D254EDFBFC63}" type="presOf" srcId="{8CF447A2-26DF-4984-B752-32FAD5C6B98D}" destId="{D5741B37-DF94-443D-A188-14089936259A}" srcOrd="0" destOrd="0" presId="urn:microsoft.com/office/officeart/2005/8/layout/chevron1"/>
-    <dgm:cxn modelId="{C2FDF84F-3712-43F8-92B9-3BF842AE1505}" srcId="{9AE636EA-781D-40BB-982E-C1D885ACE8A5}" destId="{8CF447A2-26DF-4984-B752-32FAD5C6B98D}" srcOrd="0" destOrd="0" parTransId="{88292455-AB1B-4351-AC3A-01F2BD6D910D}" sibTransId="{C1667739-576C-4C99-909B-94FC1593075B}"/>
     <dgm:cxn modelId="{86FDE040-4BBA-4647-A5D8-4235150468DA}" type="presParOf" srcId="{E2D10E44-73BD-4D2D-8E6B-38BA5E93A2A1}" destId="{D5741B37-DF94-443D-A188-14089936259A}" srcOrd="0" destOrd="0" presId="urn:microsoft.com/office/officeart/2005/8/layout/chevron1"/>
     <dgm:cxn modelId="{63162FCE-6714-4BC0-8C56-EAA38E2D34A7}" type="presParOf" srcId="{E2D10E44-73BD-4D2D-8E6B-38BA5E93A2A1}" destId="{D177B09B-042A-494E-A11E-468C12412477}" srcOrd="1" destOrd="0" presId="urn:microsoft.com/office/officeart/2005/8/layout/chevron1"/>
     <dgm:cxn modelId="{02F6D62F-9897-4345-BBF2-71700A280D91}" type="presParOf" srcId="{E2D10E44-73BD-4D2D-8E6B-38BA5E93A2A1}" destId="{4998BFFB-C4A0-4EA3-83A2-3D608F9E3ED1}" srcOrd="2" destOrd="0" presId="urn:microsoft.com/office/officeart/2005/8/layout/chevron1"/>
@@ -12268,7 +12016,7 @@
         </a:bodyPr>
         <a:lstStyle/>
         <a:p>
-          <a:pPr lvl="0" algn="ctr" defTabSz="488950">
+          <a:pPr marL="0" lvl="0" indent="0" algn="ctr" defTabSz="488950">
             <a:lnSpc>
               <a:spcPct val="90000"/>
             </a:lnSpc>
@@ -12278,6 +12026,7 @@
             <a:spcAft>
               <a:spcPct val="35000"/>
             </a:spcAft>
+            <a:buNone/>
           </a:pPr>
           <a:r>
             <a:rPr lang="hu-HU" sz="1100" kern="1200" dirty="0">
@@ -12343,7 +12092,7 @@
         </a:bodyPr>
         <a:lstStyle/>
         <a:p>
-          <a:pPr lvl="0" algn="ctr" defTabSz="488950">
+          <a:pPr marL="0" lvl="0" indent="0" algn="ctr" defTabSz="488950">
             <a:lnSpc>
               <a:spcPct val="90000"/>
             </a:lnSpc>
@@ -12353,6 +12102,7 @@
             <a:spcAft>
               <a:spcPct val="35000"/>
             </a:spcAft>
+            <a:buNone/>
           </a:pPr>
           <a:r>
             <a:rPr lang="hu-HU" sz="1100" kern="1200" dirty="0">
@@ -12418,7 +12168,7 @@
         </a:bodyPr>
         <a:lstStyle/>
         <a:p>
-          <a:pPr lvl="0" algn="ctr" defTabSz="488950">
+          <a:pPr marL="0" lvl="0" indent="0" algn="ctr" defTabSz="488950">
             <a:lnSpc>
               <a:spcPct val="90000"/>
             </a:lnSpc>
@@ -12428,6 +12178,7 @@
             <a:spcAft>
               <a:spcPct val="35000"/>
             </a:spcAft>
+            <a:buNone/>
           </a:pPr>
           <a:r>
             <a:rPr lang="hu-HU" sz="1100" kern="1200" dirty="0">
@@ -12506,7 +12257,7 @@
         </a:bodyPr>
         <a:lstStyle/>
         <a:p>
-          <a:pPr lvl="0" algn="ctr" defTabSz="488950">
+          <a:pPr marL="0" lvl="0" indent="0" algn="ctr" defTabSz="488950">
             <a:lnSpc>
               <a:spcPct val="90000"/>
             </a:lnSpc>
@@ -12516,6 +12267,7 @@
             <a:spcAft>
               <a:spcPct val="35000"/>
             </a:spcAft>
+            <a:buNone/>
           </a:pPr>
           <a:r>
             <a:rPr lang="hu-HU" sz="1100" kern="1200" dirty="0">
@@ -12579,7 +12331,7 @@
         </a:bodyPr>
         <a:lstStyle/>
         <a:p>
-          <a:pPr lvl="0" algn="ctr" defTabSz="488950">
+          <a:pPr marL="0" lvl="0" indent="0" algn="ctr" defTabSz="488950">
             <a:lnSpc>
               <a:spcPct val="90000"/>
             </a:lnSpc>
@@ -12589,6 +12341,7 @@
             <a:spcAft>
               <a:spcPct val="35000"/>
             </a:spcAft>
+            <a:buNone/>
           </a:pPr>
           <a:r>
             <a:rPr lang="hu-HU" sz="1100" kern="1200" dirty="0">
@@ -12654,7 +12407,7 @@
         </a:bodyPr>
         <a:lstStyle/>
         <a:p>
-          <a:pPr lvl="0" algn="ctr" defTabSz="488950">
+          <a:pPr marL="0" lvl="0" indent="0" algn="ctr" defTabSz="488950">
             <a:lnSpc>
               <a:spcPct val="90000"/>
             </a:lnSpc>
@@ -12664,6 +12417,7 @@
             <a:spcAft>
               <a:spcPct val="35000"/>
             </a:spcAft>
+            <a:buNone/>
           </a:pPr>
           <a:r>
             <a:rPr lang="hu-HU" sz="1100" kern="1200" dirty="0">
@@ -12741,7 +12495,7 @@
         </a:bodyPr>
         <a:lstStyle/>
         <a:p>
-          <a:pPr lvl="0" algn="ctr" defTabSz="488950">
+          <a:pPr marL="0" lvl="0" indent="0" algn="ctr" defTabSz="488950">
             <a:lnSpc>
               <a:spcPct val="90000"/>
             </a:lnSpc>
@@ -12751,6 +12505,7 @@
             <a:spcAft>
               <a:spcPct val="35000"/>
             </a:spcAft>
+            <a:buNone/>
           </a:pPr>
           <a:r>
             <a:rPr lang="hu-HU" sz="1100" kern="1200" dirty="0">
@@ -12816,7 +12571,7 @@
         </a:bodyPr>
         <a:lstStyle/>
         <a:p>
-          <a:pPr lvl="0" algn="ctr" defTabSz="488950">
+          <a:pPr marL="0" lvl="0" indent="0" algn="ctr" defTabSz="488950">
             <a:lnSpc>
               <a:spcPct val="90000"/>
             </a:lnSpc>
@@ -12826,6 +12581,7 @@
             <a:spcAft>
               <a:spcPct val="35000"/>
             </a:spcAft>
+            <a:buNone/>
           </a:pPr>
           <a:r>
             <a:rPr lang="hu-HU" sz="1100" kern="1200" dirty="0">
@@ -12889,7 +12645,7 @@
         </a:bodyPr>
         <a:lstStyle/>
         <a:p>
-          <a:pPr lvl="0" algn="ctr" defTabSz="488950">
+          <a:pPr marL="0" lvl="0" indent="0" algn="ctr" defTabSz="488950">
             <a:lnSpc>
               <a:spcPct val="90000"/>
             </a:lnSpc>
@@ -12899,6 +12655,7 @@
             <a:spcAft>
               <a:spcPct val="35000"/>
             </a:spcAft>
+            <a:buNone/>
           </a:pPr>
           <a:r>
             <a:rPr lang="hu-HU" sz="1100" kern="1200" dirty="0">
@@ -12976,7 +12733,7 @@
         </a:bodyPr>
         <a:lstStyle/>
         <a:p>
-          <a:pPr lvl="0" algn="ctr" defTabSz="488950">
+          <a:pPr marL="0" lvl="0" indent="0" algn="ctr" defTabSz="488950">
             <a:lnSpc>
               <a:spcPct val="90000"/>
             </a:lnSpc>
@@ -12986,6 +12743,7 @@
             <a:spcAft>
               <a:spcPct val="35000"/>
             </a:spcAft>
+            <a:buNone/>
           </a:pPr>
           <a:r>
             <a:rPr lang="hu-HU" sz="1100" kern="1200" dirty="0">
@@ -13051,7 +12809,7 @@
         </a:bodyPr>
         <a:lstStyle/>
         <a:p>
-          <a:pPr lvl="0" algn="ctr" defTabSz="488950">
+          <a:pPr marL="0" lvl="0" indent="0" algn="ctr" defTabSz="488950">
             <a:lnSpc>
               <a:spcPct val="90000"/>
             </a:lnSpc>
@@ -13061,6 +12819,7 @@
             <a:spcAft>
               <a:spcPct val="35000"/>
             </a:spcAft>
+            <a:buNone/>
           </a:pPr>
           <a:r>
             <a:rPr lang="hu-HU" sz="1100" kern="1200" dirty="0">
@@ -13124,7 +12883,7 @@
         </a:bodyPr>
         <a:lstStyle/>
         <a:p>
-          <a:pPr lvl="0" algn="ctr" defTabSz="488950">
+          <a:pPr marL="0" lvl="0" indent="0" algn="ctr" defTabSz="488950">
             <a:lnSpc>
               <a:spcPct val="90000"/>
             </a:lnSpc>
@@ -13134,6 +12893,7 @@
             <a:spcAft>
               <a:spcPct val="35000"/>
             </a:spcAft>
+            <a:buNone/>
           </a:pPr>
           <a:r>
             <a:rPr lang="hu-HU" sz="1100" kern="1200" dirty="0">
@@ -13209,7 +12969,7 @@
         </a:bodyPr>
         <a:lstStyle/>
         <a:p>
-          <a:pPr lvl="0" algn="ctr" defTabSz="488950">
+          <a:pPr marL="0" lvl="0" indent="0" algn="ctr" defTabSz="488950">
             <a:lnSpc>
               <a:spcPct val="90000"/>
             </a:lnSpc>
@@ -13219,6 +12979,7 @@
             <a:spcAft>
               <a:spcPct val="35000"/>
             </a:spcAft>
+            <a:buNone/>
           </a:pPr>
           <a:r>
             <a:rPr lang="hu-HU" sz="1100" kern="1200" dirty="0">
@@ -13284,7 +13045,7 @@
         </a:bodyPr>
         <a:lstStyle/>
         <a:p>
-          <a:pPr lvl="0" algn="ctr" defTabSz="488950">
+          <a:pPr marL="0" lvl="0" indent="0" algn="ctr" defTabSz="488950">
             <a:lnSpc>
               <a:spcPct val="90000"/>
             </a:lnSpc>
@@ -13294,6 +13055,7 @@
             <a:spcAft>
               <a:spcPct val="35000"/>
             </a:spcAft>
+            <a:buNone/>
           </a:pPr>
           <a:r>
             <a:rPr lang="hu-HU" sz="1100" kern="1200" dirty="0">
@@ -13359,7 +13121,7 @@
         </a:bodyPr>
         <a:lstStyle/>
         <a:p>
-          <a:pPr lvl="0" algn="ctr" defTabSz="488950">
+          <a:pPr marL="0" lvl="0" indent="0" algn="ctr" defTabSz="488950">
             <a:lnSpc>
               <a:spcPct val="90000"/>
             </a:lnSpc>
@@ -13369,6 +13131,7 @@
             <a:spcAft>
               <a:spcPct val="35000"/>
             </a:spcAft>
+            <a:buNone/>
           </a:pPr>
           <a:r>
             <a:rPr lang="hu-HU" sz="1100" kern="1200" dirty="0">
@@ -13444,7 +13207,7 @@
         </a:bodyPr>
         <a:lstStyle/>
         <a:p>
-          <a:pPr lvl="0" algn="ctr" defTabSz="488950">
+          <a:pPr marL="0" lvl="0" indent="0" algn="ctr" defTabSz="488950">
             <a:lnSpc>
               <a:spcPct val="90000"/>
             </a:lnSpc>
@@ -13454,6 +13217,7 @@
             <a:spcAft>
               <a:spcPct val="35000"/>
             </a:spcAft>
+            <a:buNone/>
           </a:pPr>
           <a:r>
             <a:rPr lang="hu-HU" sz="1100" kern="1200" dirty="0">
@@ -13519,7 +13283,7 @@
         </a:bodyPr>
         <a:lstStyle/>
         <a:p>
-          <a:pPr lvl="0" algn="ctr" defTabSz="488950">
+          <a:pPr marL="0" lvl="0" indent="0" algn="ctr" defTabSz="488950">
             <a:lnSpc>
               <a:spcPct val="90000"/>
             </a:lnSpc>
@@ -13529,6 +13293,7 @@
             <a:spcAft>
               <a:spcPct val="35000"/>
             </a:spcAft>
+            <a:buNone/>
           </a:pPr>
           <a:r>
             <a:rPr lang="hu-HU" sz="1100" kern="1200" dirty="0">
@@ -13594,7 +13359,7 @@
         </a:bodyPr>
         <a:lstStyle/>
         <a:p>
-          <a:pPr lvl="0" algn="ctr" defTabSz="488950">
+          <a:pPr marL="0" lvl="0" indent="0" algn="ctr" defTabSz="488950">
             <a:lnSpc>
               <a:spcPct val="90000"/>
             </a:lnSpc>
@@ -13604,6 +13369,7 @@
             <a:spcAft>
               <a:spcPct val="35000"/>
             </a:spcAft>
+            <a:buNone/>
           </a:pPr>
           <a:r>
             <a:rPr lang="hu-HU" sz="1100" kern="1200" dirty="0">
@@ -13679,7 +13445,7 @@
         </a:bodyPr>
         <a:lstStyle/>
         <a:p>
-          <a:pPr lvl="0" algn="ctr" defTabSz="488950">
+          <a:pPr marL="0" lvl="0" indent="0" algn="ctr" defTabSz="488950">
             <a:lnSpc>
               <a:spcPct val="90000"/>
             </a:lnSpc>
@@ -13689,6 +13455,7 @@
             <a:spcAft>
               <a:spcPct val="35000"/>
             </a:spcAft>
+            <a:buNone/>
           </a:pPr>
           <a:r>
             <a:rPr lang="hu-HU" sz="1100" kern="1200" dirty="0">
@@ -13754,7 +13521,7 @@
         </a:bodyPr>
         <a:lstStyle/>
         <a:p>
-          <a:pPr lvl="0" algn="ctr" defTabSz="488950">
+          <a:pPr marL="0" lvl="0" indent="0" algn="ctr" defTabSz="488950">
             <a:lnSpc>
               <a:spcPct val="90000"/>
             </a:lnSpc>
@@ -13764,6 +13531,7 @@
             <a:spcAft>
               <a:spcPct val="35000"/>
             </a:spcAft>
+            <a:buNone/>
           </a:pPr>
           <a:r>
             <a:rPr lang="hu-HU" sz="1100" kern="1200" dirty="0">
@@ -13829,7 +13597,7 @@
         </a:bodyPr>
         <a:lstStyle/>
         <a:p>
-          <a:pPr lvl="0" algn="ctr" defTabSz="488950">
+          <a:pPr marL="0" lvl="0" indent="0" algn="ctr" defTabSz="488950">
             <a:lnSpc>
               <a:spcPct val="90000"/>
             </a:lnSpc>
@@ -13839,6 +13607,7 @@
             <a:spcAft>
               <a:spcPct val="35000"/>
             </a:spcAft>
+            <a:buNone/>
           </a:pPr>
           <a:r>
             <a:rPr lang="hu-HU" sz="1100" kern="1200" dirty="0">
@@ -13914,7 +13683,7 @@
         </a:bodyPr>
         <a:lstStyle/>
         <a:p>
-          <a:pPr lvl="0" algn="ctr" defTabSz="488950">
+          <a:pPr marL="0" lvl="0" indent="0" algn="ctr" defTabSz="488950">
             <a:lnSpc>
               <a:spcPct val="90000"/>
             </a:lnSpc>
@@ -13924,6 +13693,7 @@
             <a:spcAft>
               <a:spcPct val="35000"/>
             </a:spcAft>
+            <a:buNone/>
           </a:pPr>
           <a:r>
             <a:rPr lang="hu-HU" sz="1100" kern="1200" dirty="0">
@@ -13989,7 +13759,7 @@
         </a:bodyPr>
         <a:lstStyle/>
         <a:p>
-          <a:pPr lvl="0" algn="ctr" defTabSz="488950">
+          <a:pPr marL="0" lvl="0" indent="0" algn="ctr" defTabSz="488950">
             <a:lnSpc>
               <a:spcPct val="90000"/>
             </a:lnSpc>
@@ -13999,6 +13769,7 @@
             <a:spcAft>
               <a:spcPct val="35000"/>
             </a:spcAft>
+            <a:buNone/>
           </a:pPr>
           <a:r>
             <a:rPr lang="hu-HU" sz="1100" kern="1200" dirty="0">
@@ -14064,7 +13835,7 @@
         </a:bodyPr>
         <a:lstStyle/>
         <a:p>
-          <a:pPr lvl="0" algn="ctr" defTabSz="488950">
+          <a:pPr marL="0" lvl="0" indent="0" algn="ctr" defTabSz="488950">
             <a:lnSpc>
               <a:spcPct val="90000"/>
             </a:lnSpc>
@@ -14074,6 +13845,7 @@
             <a:spcAft>
               <a:spcPct val="35000"/>
             </a:spcAft>
+            <a:buNone/>
           </a:pPr>
           <a:r>
             <a:rPr lang="hu-HU" sz="1100" kern="1200" dirty="0">
@@ -14151,7 +13923,7 @@
         </a:bodyPr>
         <a:lstStyle/>
         <a:p>
-          <a:pPr lvl="0" algn="ctr" defTabSz="488950">
+          <a:pPr marL="0" lvl="0" indent="0" algn="ctr" defTabSz="488950">
             <a:lnSpc>
               <a:spcPct val="90000"/>
             </a:lnSpc>
@@ -14161,6 +13933,7 @@
             <a:spcAft>
               <a:spcPct val="35000"/>
             </a:spcAft>
+            <a:buNone/>
           </a:pPr>
           <a:r>
             <a:rPr lang="hu-HU" sz="1100" kern="1200" dirty="0">
@@ -14224,7 +13997,7 @@
         </a:bodyPr>
         <a:lstStyle/>
         <a:p>
-          <a:pPr lvl="0" algn="ctr" defTabSz="488950">
+          <a:pPr marL="0" lvl="0" indent="0" algn="ctr" defTabSz="488950">
             <a:lnSpc>
               <a:spcPct val="90000"/>
             </a:lnSpc>
@@ -14234,6 +14007,7 @@
             <a:spcAft>
               <a:spcPct val="35000"/>
             </a:spcAft>
+            <a:buNone/>
           </a:pPr>
           <a:r>
             <a:rPr lang="hu-HU" sz="1100" kern="1200" dirty="0">
@@ -14299,7 +14073,7 @@
         </a:bodyPr>
         <a:lstStyle/>
         <a:p>
-          <a:pPr lvl="0" algn="ctr" defTabSz="488950">
+          <a:pPr marL="0" lvl="0" indent="0" algn="ctr" defTabSz="488950">
             <a:lnSpc>
               <a:spcPct val="90000"/>
             </a:lnSpc>
@@ -14309,6 +14083,7 @@
             <a:spcAft>
               <a:spcPct val="35000"/>
             </a:spcAft>
+            <a:buNone/>
           </a:pPr>
           <a:r>
             <a:rPr lang="hu-HU" sz="1100" kern="1200" dirty="0">
@@ -14387,7 +14162,7 @@
         </a:bodyPr>
         <a:lstStyle/>
         <a:p>
-          <a:pPr lvl="0" algn="ctr" defTabSz="488950">
+          <a:pPr marL="0" lvl="0" indent="0" algn="ctr" defTabSz="488950">
             <a:lnSpc>
               <a:spcPct val="90000"/>
             </a:lnSpc>
@@ -14397,6 +14172,7 @@
             <a:spcAft>
               <a:spcPct val="35000"/>
             </a:spcAft>
+            <a:buNone/>
           </a:pPr>
           <a:r>
             <a:rPr lang="hu-HU" sz="1100" kern="1200" dirty="0">
@@ -14460,7 +14236,7 @@
         </a:bodyPr>
         <a:lstStyle/>
         <a:p>
-          <a:pPr lvl="0" algn="ctr" defTabSz="488950">
+          <a:pPr marL="0" lvl="0" indent="0" algn="ctr" defTabSz="488950">
             <a:lnSpc>
               <a:spcPct val="90000"/>
             </a:lnSpc>
@@ -14470,6 +14246,7 @@
             <a:spcAft>
               <a:spcPct val="35000"/>
             </a:spcAft>
+            <a:buNone/>
           </a:pPr>
           <a:r>
             <a:rPr lang="hu-HU" sz="1100" kern="1200" dirty="0">
@@ -14535,7 +14312,7 @@
         </a:bodyPr>
         <a:lstStyle/>
         <a:p>
-          <a:pPr lvl="0" algn="ctr" defTabSz="488950">
+          <a:pPr marL="0" lvl="0" indent="0" algn="ctr" defTabSz="488950">
             <a:lnSpc>
               <a:spcPct val="90000"/>
             </a:lnSpc>
@@ -14545,6 +14322,7 @@
             <a:spcAft>
               <a:spcPct val="35000"/>
             </a:spcAft>
+            <a:buNone/>
           </a:pPr>
           <a:r>
             <a:rPr lang="hu-HU" sz="1100" kern="1200" dirty="0">
@@ -14623,7 +14401,7 @@
         </a:bodyPr>
         <a:lstStyle/>
         <a:p>
-          <a:pPr lvl="0" algn="ctr" defTabSz="488950">
+          <a:pPr marL="0" lvl="0" indent="0" algn="ctr" defTabSz="488950">
             <a:lnSpc>
               <a:spcPct val="90000"/>
             </a:lnSpc>
@@ -14633,6 +14411,7 @@
             <a:spcAft>
               <a:spcPct val="35000"/>
             </a:spcAft>
+            <a:buNone/>
           </a:pPr>
           <a:r>
             <a:rPr lang="hu-HU" sz="1100" kern="1200" dirty="0">
@@ -14696,7 +14475,7 @@
         </a:bodyPr>
         <a:lstStyle/>
         <a:p>
-          <a:pPr lvl="0" algn="ctr" defTabSz="488950">
+          <a:pPr marL="0" lvl="0" indent="0" algn="ctr" defTabSz="488950">
             <a:lnSpc>
               <a:spcPct val="90000"/>
             </a:lnSpc>
@@ -14706,6 +14485,7 @@
             <a:spcAft>
               <a:spcPct val="35000"/>
             </a:spcAft>
+            <a:buNone/>
           </a:pPr>
           <a:r>
             <a:rPr lang="hu-HU" sz="1100" kern="1200" dirty="0">
@@ -14771,7 +14551,7 @@
         </a:bodyPr>
         <a:lstStyle/>
         <a:p>
-          <a:pPr lvl="0" algn="ctr" defTabSz="488950">
+          <a:pPr marL="0" lvl="0" indent="0" algn="ctr" defTabSz="488950">
             <a:lnSpc>
               <a:spcPct val="90000"/>
             </a:lnSpc>
@@ -14781,6 +14561,7 @@
             <a:spcAft>
               <a:spcPct val="35000"/>
             </a:spcAft>
+            <a:buNone/>
           </a:pPr>
           <a:r>
             <a:rPr lang="hu-HU" sz="1100" kern="1200" dirty="0">
@@ -14859,7 +14640,7 @@
         </a:bodyPr>
         <a:lstStyle/>
         <a:p>
-          <a:pPr lvl="0" algn="ctr" defTabSz="488950">
+          <a:pPr marL="0" lvl="0" indent="0" algn="ctr" defTabSz="488950">
             <a:lnSpc>
               <a:spcPct val="90000"/>
             </a:lnSpc>
@@ -14869,6 +14650,7 @@
             <a:spcAft>
               <a:spcPct val="35000"/>
             </a:spcAft>
+            <a:buNone/>
           </a:pPr>
           <a:r>
             <a:rPr lang="hu-HU" sz="1100" kern="1200" dirty="0">
@@ -14932,7 +14714,7 @@
         </a:bodyPr>
         <a:lstStyle/>
         <a:p>
-          <a:pPr lvl="0" algn="ctr" defTabSz="488950">
+          <a:pPr marL="0" lvl="0" indent="0" algn="ctr" defTabSz="488950">
             <a:lnSpc>
               <a:spcPct val="90000"/>
             </a:lnSpc>
@@ -14942,6 +14724,7 @@
             <a:spcAft>
               <a:spcPct val="35000"/>
             </a:spcAft>
+            <a:buNone/>
           </a:pPr>
           <a:r>
             <a:rPr lang="hu-HU" sz="1100" kern="1200" dirty="0">
@@ -15007,7 +14790,7 @@
         </a:bodyPr>
         <a:lstStyle/>
         <a:p>
-          <a:pPr lvl="0" algn="ctr" defTabSz="488950">
+          <a:pPr marL="0" lvl="0" indent="0" algn="ctr" defTabSz="488950">
             <a:lnSpc>
               <a:spcPct val="90000"/>
             </a:lnSpc>
@@ -15017,6 +14800,7 @@
             <a:spcAft>
               <a:spcPct val="35000"/>
             </a:spcAft>
+            <a:buNone/>
           </a:pPr>
           <a:r>
             <a:rPr lang="hu-HU" sz="1100" kern="1200" dirty="0">
@@ -30925,7 +30709,7 @@
           <a:p>
             <a:fld id="{B1C588C8-6C3E-40D4-A930-047FB0544205}" type="datetimeFigureOut">
               <a:rPr lang="hu-HU" smtClean="0"/>
-              <a:t>2018.03.06.</a:t>
+              <a:t>2018. 03. 06.</a:t>
             </a:fld>
             <a:endParaRPr lang="hu-HU"/>
           </a:p>
@@ -31090,7 +30874,7 @@
           <a:p>
             <a:fld id="{55B61678-6C63-4805-A66E-8FCA7E834C57}" type="datetimeFigureOut">
               <a:rPr lang="hu-HU" smtClean="0"/>
-              <a:t>2018.03.06.</a:t>
+              <a:t>2018. 03. 06.</a:t>
             </a:fld>
             <a:endParaRPr lang="hu-HU"/>
           </a:p>
@@ -32092,10 +31876,9 @@
           <a:lstStyle/>
           <a:p>
             <a:r>
-              <a:rPr lang="hu-HU" smtClean="0"/>
+              <a:rPr lang="hu-HU"/>
               <a:t>Menedzsmentkontroll-rendszerek - 2018.03.08.</a:t>
             </a:r>
-            <a:endParaRPr lang="hu-HU"/>
           </a:p>
         </p:txBody>
       </p:sp>
@@ -32260,10 +32043,9 @@
           <a:lstStyle/>
           <a:p>
             <a:r>
-              <a:rPr lang="hu-HU" smtClean="0"/>
+              <a:rPr lang="hu-HU"/>
               <a:t>Menedzsmentkontroll-rendszerek - 2018.03.08.</a:t>
             </a:r>
-            <a:endParaRPr lang="hu-HU"/>
           </a:p>
         </p:txBody>
       </p:sp>
@@ -32438,10 +32220,9 @@
           <a:lstStyle/>
           <a:p>
             <a:r>
-              <a:rPr lang="hu-HU" smtClean="0"/>
+              <a:rPr lang="hu-HU"/>
               <a:t>Menedzsmentkontroll-rendszerek - 2018.03.08.</a:t>
             </a:r>
-            <a:endParaRPr lang="hu-HU"/>
           </a:p>
         </p:txBody>
       </p:sp>
@@ -32675,10 +32456,9 @@
           </a:lstStyle>
           <a:p>
             <a:r>
-              <a:rPr lang="hu-HU" dirty="0" smtClean="0"/>
+              <a:rPr lang="hu-HU" dirty="0"/>
               <a:t>Menedzsmentkontroll-rendszerek - 2018.03.08.</a:t>
             </a:r>
-            <a:endParaRPr lang="hu-HU" dirty="0"/>
           </a:p>
         </p:txBody>
       </p:sp>
@@ -33012,10 +32792,9 @@
           <a:lstStyle/>
           <a:p>
             <a:r>
-              <a:rPr lang="hu-HU" smtClean="0"/>
+              <a:rPr lang="hu-HU"/>
               <a:t>Menedzsmentkontroll-rendszerek - 2018.03.08.</a:t>
             </a:r>
-            <a:endParaRPr lang="hu-HU"/>
           </a:p>
         </p:txBody>
       </p:sp>
@@ -33241,10 +33020,9 @@
           <a:lstStyle/>
           <a:p>
             <a:r>
-              <a:rPr lang="hu-HU" smtClean="0"/>
+              <a:rPr lang="hu-HU"/>
               <a:t>Menedzsmentkontroll-rendszerek - 2018.03.08.</a:t>
             </a:r>
-            <a:endParaRPr lang="hu-HU"/>
           </a:p>
         </p:txBody>
       </p:sp>
@@ -33605,10 +33383,9 @@
           <a:lstStyle/>
           <a:p>
             <a:r>
-              <a:rPr lang="hu-HU" smtClean="0"/>
+              <a:rPr lang="hu-HU"/>
               <a:t>Menedzsmentkontroll-rendszerek - 2018.03.08.</a:t>
             </a:r>
-            <a:endParaRPr lang="hu-HU"/>
           </a:p>
         </p:txBody>
       </p:sp>
@@ -33722,10 +33499,9 @@
           <a:lstStyle/>
           <a:p>
             <a:r>
-              <a:rPr lang="hu-HU" smtClean="0"/>
+              <a:rPr lang="hu-HU"/>
               <a:t>Menedzsmentkontroll-rendszerek - 2018.03.08.</a:t>
             </a:r>
-            <a:endParaRPr lang="hu-HU"/>
           </a:p>
         </p:txBody>
       </p:sp>
@@ -33817,10 +33593,9 @@
           <a:lstStyle/>
           <a:p>
             <a:r>
-              <a:rPr lang="hu-HU" smtClean="0"/>
+              <a:rPr lang="hu-HU"/>
               <a:t>Menedzsmentkontroll-rendszerek - 2018.03.08.</a:t>
             </a:r>
-            <a:endParaRPr lang="hu-HU"/>
           </a:p>
         </p:txBody>
       </p:sp>
@@ -34092,10 +33867,9 @@
           <a:lstStyle/>
           <a:p>
             <a:r>
-              <a:rPr lang="hu-HU" smtClean="0"/>
+              <a:rPr lang="hu-HU"/>
               <a:t>Menedzsmentkontroll-rendszerek - 2018.03.08.</a:t>
             </a:r>
-            <a:endParaRPr lang="hu-HU"/>
           </a:p>
         </p:txBody>
       </p:sp>
@@ -34344,10 +34118,9 @@
           <a:lstStyle/>
           <a:p>
             <a:r>
-              <a:rPr lang="hu-HU" smtClean="0"/>
+              <a:rPr lang="hu-HU"/>
               <a:t>Menedzsmentkontroll-rendszerek - 2018.03.08.</a:t>
             </a:r>
-            <a:endParaRPr lang="hu-HU"/>
           </a:p>
         </p:txBody>
       </p:sp>
@@ -34577,10 +34350,9 @@
           </a:lstStyle>
           <a:p>
             <a:r>
-              <a:rPr lang="hu-HU" smtClean="0"/>
+              <a:rPr lang="hu-HU"/>
               <a:t>Menedzsmentkontroll-rendszerek - 2018.03.08.</a:t>
             </a:r>
-            <a:endParaRPr lang="hu-HU"/>
           </a:p>
         </p:txBody>
       </p:sp>
@@ -35090,16 +34862,6 @@
               </a:rPr>
               <a:t>Horváth János  I  Tamás Zsanett      Tímár Réka  I   Várkonyi Máté</a:t>
             </a:r>
-            <a:r>
-              <a:rPr lang="hu-HU" sz="1800" spc="-150" dirty="0">
-                <a:solidFill>
-                  <a:schemeClr val="bg1"/>
-                </a:solidFill>
-                <a:ea typeface="Microsoft Yi Baiti" panose="03000500000000000000" pitchFamily="66" charset="0"/>
-                <a:cs typeface="CordiaUPC" panose="020B0304020202020204" pitchFamily="34" charset="-34"/>
-              </a:rPr>
-              <a:t/>
-            </a:r>
             <a:br>
               <a:rPr lang="hu-HU" sz="1800" spc="-150" dirty="0">
                 <a:solidFill>
@@ -35179,18 +34941,13 @@
           <a:p>
             <a:pPr algn="l"/>
             <a:r>
-              <a:rPr lang="hu-HU" sz="1400" spc="100" dirty="0" smtClean="0">
+              <a:rPr lang="hu-HU" sz="1400" spc="100" dirty="0">
                 <a:solidFill>
                   <a:schemeClr val="bg1"/>
                 </a:solidFill>
               </a:rPr>
               <a:t>2018.03.08.</a:t>
             </a:r>
-            <a:endParaRPr lang="hu-HU" sz="1400" spc="100" dirty="0">
-              <a:solidFill>
-                <a:schemeClr val="bg1"/>
-              </a:solidFill>
-            </a:endParaRPr>
           </a:p>
         </p:txBody>
       </p:sp>
@@ -35274,7 +35031,7 @@
               <a:t>A </a:t>
             </a:r>
             <a:r>
-              <a:rPr lang="hu-HU" sz="5400" dirty="0" err="1" smtClean="0">
+              <a:rPr lang="hu-HU" sz="5400" dirty="0" err="1">
                 <a:solidFill>
                   <a:schemeClr val="bg1"/>
                 </a:solidFill>
@@ -35282,7 +35039,7 @@
               <a:t>Vershire</a:t>
             </a:r>
             <a:r>
-              <a:rPr lang="hu-HU" sz="5400" dirty="0" smtClean="0">
+              <a:rPr lang="hu-HU" sz="5400" dirty="0">
                 <a:solidFill>
                   <a:schemeClr val="bg1"/>
                 </a:solidFill>
@@ -35413,13 +35170,6 @@
   <p:clrMapOvr>
     <a:masterClrMapping/>
   </p:clrMapOvr>
-  <p:timing>
-    <p:tnLst>
-      <p:par>
-        <p:cTn id="1" dur="indefinite" restart="never" nodeType="tmRoot"/>
-      </p:par>
-    </p:tnLst>
-  </p:timing>
 </p:sld>
 </file>
 
@@ -35456,10 +35206,9 @@
           <a:lstStyle/>
           <a:p>
             <a:r>
-              <a:rPr lang="hu-HU" dirty="0" smtClean="0"/>
+              <a:rPr lang="hu-HU" dirty="0"/>
               <a:t>A gyárigazgatók kérdéses felelőssége az eredményért</a:t>
             </a:r>
-            <a:endParaRPr lang="hu-HU" dirty="0"/>
           </a:p>
         </p:txBody>
       </p:sp>
@@ -35522,18 +35271,13 @@
           <a:p>
             <a:pPr algn="ctr"/>
             <a:r>
-              <a:rPr lang="hu-HU" b="1" dirty="0" smtClean="0">
+              <a:rPr lang="hu-HU" b="1" dirty="0">
                 <a:solidFill>
                   <a:schemeClr val="tx1"/>
                 </a:solidFill>
               </a:rPr>
               <a:t>Nem, mert az eredmény 2 részből áll.</a:t>
             </a:r>
-            <a:endParaRPr lang="hu-HU" b="1" dirty="0">
-              <a:solidFill>
-                <a:schemeClr val="tx1"/>
-              </a:solidFill>
-            </a:endParaRPr>
           </a:p>
         </p:txBody>
       </p:sp>
@@ -35560,10 +35304,9 @@
           <a:lstStyle/>
           <a:p>
             <a:r>
-              <a:rPr lang="hu-HU" dirty="0" smtClean="0"/>
+              <a:rPr lang="hu-HU" dirty="0"/>
               <a:t>Olyanért ne kérjék számon, amihez semmi köze nincs:</a:t>
             </a:r>
-            <a:endParaRPr lang="hu-HU" dirty="0"/>
           </a:p>
         </p:txBody>
       </p:sp>
@@ -35590,16 +35333,8 @@
           <a:lstStyle/>
           <a:p>
             <a:r>
-              <a:rPr lang="hu-HU" dirty="0" smtClean="0"/>
-              <a:t>Felelősség egyel feljebbi </a:t>
-            </a:r>
-            <a:r>
               <a:rPr lang="hu-HU" dirty="0"/>
-              <a:t>szinten kéne, hogy </a:t>
-            </a:r>
-            <a:r>
-              <a:rPr lang="hu-HU" dirty="0" smtClean="0"/>
-              <a:t>legyen:</a:t>
+              <a:t>Felelősség egyel feljebbi szinten kéne, hogy legyen:</a:t>
             </a:r>
           </a:p>
           <a:p>
@@ -35666,18 +35401,13 @@
           <a:p>
             <a:pPr algn="ctr"/>
             <a:r>
-              <a:rPr lang="hu-HU" sz="1600" b="1" dirty="0" smtClean="0">
+              <a:rPr lang="hu-HU" sz="1600" b="1" dirty="0">
                 <a:solidFill>
                   <a:schemeClr val="tx1"/>
                 </a:solidFill>
               </a:rPr>
               <a:t>termelési költségek</a:t>
             </a:r>
-            <a:endParaRPr lang="hu-HU" sz="1600" b="1" dirty="0">
-              <a:solidFill>
-                <a:schemeClr val="tx1"/>
-              </a:solidFill>
-            </a:endParaRPr>
           </a:p>
         </p:txBody>
       </p:sp>
@@ -35781,21 +35511,8 @@
                   <a:schemeClr val="tx1"/>
                 </a:solidFill>
               </a:rPr>
-              <a:t>t</a:t>
+              <a:t>termelési terv</a:t>
             </a:r>
-            <a:r>
-              <a:rPr lang="hu-HU" sz="1600" b="1" dirty="0" smtClean="0">
-                <a:solidFill>
-                  <a:schemeClr val="tx1"/>
-                </a:solidFill>
-              </a:rPr>
-              <a:t>ermelési terv</a:t>
-            </a:r>
-            <a:endParaRPr lang="hu-HU" sz="1600" b="1" dirty="0">
-              <a:solidFill>
-                <a:schemeClr val="tx1"/>
-              </a:solidFill>
-            </a:endParaRPr>
           </a:p>
         </p:txBody>
       </p:sp>
@@ -35863,21 +35580,8 @@
                   <a:schemeClr val="tx1"/>
                 </a:solidFill>
               </a:rPr>
-              <a:t>t</a:t>
+              <a:t>termékek ára</a:t>
             </a:r>
-            <a:r>
-              <a:rPr lang="hu-HU" sz="1600" b="1" dirty="0" smtClean="0">
-                <a:solidFill>
-                  <a:schemeClr val="tx1"/>
-                </a:solidFill>
-              </a:rPr>
-              <a:t>ermékek ára</a:t>
-            </a:r>
-            <a:endParaRPr lang="hu-HU" sz="1600" b="1" dirty="0">
-              <a:solidFill>
-                <a:schemeClr val="tx1"/>
-              </a:solidFill>
-            </a:endParaRPr>
           </a:p>
         </p:txBody>
       </p:sp>
@@ -35945,18 +35649,10 @@
                   <a:schemeClr val="tx1"/>
                 </a:solidFill>
               </a:rPr>
-              <a:t>p</a:t>
+              <a:t>piaci helyzet, eladhatóság, </a:t>
             </a:r>
             <a:r>
-              <a:rPr lang="hu-HU" sz="1400" b="1" dirty="0" smtClean="0">
-                <a:solidFill>
-                  <a:schemeClr val="tx1"/>
-                </a:solidFill>
-              </a:rPr>
-              <a:t>iaci helyzet, eladhatóság, </a:t>
-            </a:r>
-            <a:r>
-              <a:rPr lang="hu-HU" sz="1400" b="1" dirty="0" smtClean="0">
+              <a:rPr lang="hu-HU" sz="1400" b="1" dirty="0">
                 <a:solidFill>
                   <a:schemeClr val="tx1"/>
                 </a:solidFill>
@@ -36104,18 +35800,13 @@
           <a:p>
             <a:pPr algn="ctr"/>
             <a:r>
-              <a:rPr lang="hu-HU" b="1" dirty="0" smtClean="0">
+              <a:rPr lang="hu-HU" b="1" dirty="0">
                 <a:solidFill>
                   <a:schemeClr val="tx1"/>
                 </a:solidFill>
               </a:rPr>
               <a:t>Megoldás:</a:t>
             </a:r>
-            <a:endParaRPr lang="hu-HU" b="1" dirty="0">
-              <a:solidFill>
-                <a:schemeClr val="tx1"/>
-              </a:solidFill>
-            </a:endParaRPr>
           </a:p>
         </p:txBody>
       </p:sp>
@@ -36188,13 +35879,8 @@
           <a:p>
             <a:r>
               <a:rPr lang="hu-HU" dirty="0"/>
-              <a:t>d</a:t>
+              <a:t>divízió vezetője</a:t>
             </a:r>
-            <a:r>
-              <a:rPr lang="hu-HU" dirty="0" smtClean="0"/>
-              <a:t>ivízió vezetője</a:t>
-            </a:r>
-            <a:endParaRPr lang="hu-HU" dirty="0"/>
           </a:p>
         </p:txBody>
       </p:sp>
@@ -36222,13 +35908,8 @@
           <a:p>
             <a:r>
               <a:rPr lang="hu-HU" dirty="0"/>
-              <a:t>é</a:t>
+              <a:t>értékesítési igazgató </a:t>
             </a:r>
-            <a:r>
-              <a:rPr lang="hu-HU" dirty="0" smtClean="0"/>
-              <a:t>rtékesítési igazgató </a:t>
-            </a:r>
-            <a:endParaRPr lang="hu-HU" dirty="0"/>
           </a:p>
         </p:txBody>
       </p:sp>
@@ -36312,7 +35993,7 @@
           <a:lstStyle/>
           <a:p>
             <a:r>
-              <a:rPr lang="hu-HU" smtClean="0"/>
+              <a:rPr lang="hu-HU"/>
               <a:t>Menedzsmentkontroll-rendszerek - 2018.03.08.</a:t>
             </a:r>
             <a:endParaRPr lang="hu-HU" dirty="0"/>
@@ -36353,13 +36034,6 @@
   <p:clrMapOvr>
     <a:masterClrMapping/>
   </p:clrMapOvr>
-  <p:timing>
-    <p:tnLst>
-      <p:par>
-        <p:cTn id="1" dur="indefinite" restart="never" nodeType="tmRoot"/>
-      </p:par>
-    </p:tnLst>
-  </p:timing>
 </p:sld>
 </file>
 
@@ -36396,10 +36070,9 @@
           <a:lstStyle/>
           <a:p>
             <a:r>
-              <a:rPr lang="hu-HU" dirty="0" smtClean="0"/>
+              <a:rPr lang="hu-HU" dirty="0"/>
               <a:t>A teljesítményértékelési rendszerek értékelése</a:t>
             </a:r>
-            <a:endParaRPr lang="hu-HU" dirty="0"/>
           </a:p>
         </p:txBody>
       </p:sp>
@@ -36419,10 +36092,9 @@
           <a:lstStyle/>
           <a:p>
             <a:r>
-              <a:rPr lang="hu-HU" dirty="0" smtClean="0"/>
+              <a:rPr lang="hu-HU" dirty="0"/>
               <a:t>Alapvetően pozitív jó, egyedül a visszacsatolás hiányossága</a:t>
             </a:r>
-            <a:endParaRPr lang="hu-HU" dirty="0"/>
           </a:p>
         </p:txBody>
       </p:sp>
@@ -36466,7 +36138,7 @@
           <a:lstStyle/>
           <a:p>
             <a:r>
-              <a:rPr lang="hu-HU" smtClean="0"/>
+              <a:rPr lang="hu-HU"/>
               <a:t>Menedzsmentkontroll-rendszerek - 2018.03.08.</a:t>
             </a:r>
             <a:endParaRPr lang="hu-HU" dirty="0"/>
@@ -36507,13 +36179,6 @@
   <p:clrMapOvr>
     <a:masterClrMapping/>
   </p:clrMapOvr>
-  <p:timing>
-    <p:tnLst>
-      <p:par>
-        <p:cTn id="1" dur="indefinite" restart="never" nodeType="tmRoot"/>
-      </p:par>
-    </p:tnLst>
-  </p:timing>
 </p:sld>
 </file>
 
@@ -36962,18 +36627,13 @@
               <a:buChar char="•"/>
             </a:pPr>
             <a:r>
-              <a:rPr lang="hu-HU" b="1" dirty="0" smtClean="0">
+              <a:rPr lang="hu-HU" b="1" dirty="0">
                 <a:solidFill>
                   <a:srgbClr val="254B8A"/>
                 </a:solidFill>
               </a:rPr>
               <a:t>Gyárigazgató indokolt felelőssége</a:t>
             </a:r>
-            <a:endParaRPr lang="hu-HU" b="1" dirty="0">
-              <a:solidFill>
-                <a:srgbClr val="254B8A"/>
-              </a:solidFill>
-            </a:endParaRPr>
           </a:p>
           <a:p>
             <a:pPr marL="285750" indent="-285750">
@@ -37041,20 +36701,12 @@
           <a:lstStyle/>
           <a:p>
             <a:r>
-              <a:rPr lang="hu-HU" b="1" dirty="0" smtClean="0">
-                <a:solidFill>
-                  <a:srgbClr val="254B8A"/>
-                </a:solidFill>
-              </a:rPr>
-              <a:t>Jelenlegi eredménytervezési folyamat megtartása </a:t>
-            </a:r>
-            <a:r>
               <a:rPr lang="hu-HU" b="1" dirty="0">
                 <a:solidFill>
                   <a:srgbClr val="254B8A"/>
                 </a:solidFill>
               </a:rPr>
-              <a:t>kis változtatásokkal</a:t>
+              <a:t>Jelenlegi eredménytervezési folyamat megtartása kis változtatásokkal</a:t>
             </a:r>
           </a:p>
         </p:txBody>
@@ -37133,30 +36785,21 @@
               <a:t>A </a:t>
             </a:r>
             <a:r>
-              <a:rPr lang="hu-HU" sz="1600" b="1" i="1" dirty="0" err="1" smtClean="0"/>
+              <a:rPr lang="hu-HU" sz="1600" b="1" i="1" dirty="0" err="1"/>
               <a:t>Vershire</a:t>
             </a:r>
             <a:r>
-              <a:rPr lang="hu-HU" sz="1600" b="1" i="1" dirty="0" smtClean="0"/>
+              <a:rPr lang="hu-HU" sz="1600" b="1" i="1" dirty="0"/>
               <a:t> </a:t>
             </a:r>
             <a:r>
-              <a:rPr lang="hu-HU" sz="1600" b="1" i="1" dirty="0" err="1" smtClean="0"/>
+              <a:rPr lang="hu-HU" sz="1600" b="1" i="1" dirty="0" err="1"/>
               <a:t>Company</a:t>
             </a:r>
             <a:r>
-              <a:rPr lang="hu-HU" sz="1600" b="1" i="1" dirty="0" smtClean="0"/>
-              <a:t> a </a:t>
+              <a:rPr lang="hu-HU" sz="1600" b="1" i="1" dirty="0"/>
+              <a:t> a következő években javítani tudja az eredménytervezés folyamatát és tisztázni a felelősségi köröket.</a:t>
             </a:r>
-            <a:r>
-              <a:rPr lang="hu-HU" sz="1600" b="1" i="1" dirty="0"/>
-              <a:t>következő években javítani tudja </a:t>
-            </a:r>
-            <a:r>
-              <a:rPr lang="hu-HU" sz="1600" b="1" i="1" dirty="0" smtClean="0"/>
-              <a:t>az eredménytervezés folyamatát és tisztázni a felelősségi köröket.</a:t>
-            </a:r>
-            <a:endParaRPr lang="hu-HU" sz="1600" b="1" i="1" dirty="0"/>
           </a:p>
         </p:txBody>
       </p:sp>
@@ -37206,18 +36849,13 @@
           <a:lstStyle/>
           <a:p>
             <a:r>
-              <a:rPr lang="hu-HU" b="1" dirty="0" smtClean="0">
+              <a:rPr lang="hu-HU" b="1" dirty="0">
                 <a:solidFill>
                   <a:srgbClr val="254B8A"/>
                 </a:solidFill>
               </a:rPr>
               <a:t>Gyárigazgató felelősségének felsőbb szintre helyezése</a:t>
             </a:r>
-            <a:endParaRPr lang="hu-HU" b="1" dirty="0">
-              <a:solidFill>
-                <a:srgbClr val="254B8A"/>
-              </a:solidFill>
-            </a:endParaRPr>
           </a:p>
         </p:txBody>
       </p:sp>
@@ -37257,7 +36895,7 @@
           <a:lstStyle/>
           <a:p>
             <a:r>
-              <a:rPr lang="hu-HU" smtClean="0"/>
+              <a:rPr lang="hu-HU"/>
               <a:t>Menedzsmentkontroll-rendszerek - 2018.03.08.</a:t>
             </a:r>
             <a:endParaRPr lang="hu-HU" dirty="0"/>
@@ -37298,13 +36936,6 @@
   <p:clrMapOvr>
     <a:masterClrMapping/>
   </p:clrMapOvr>
-  <p:timing>
-    <p:tnLst>
-      <p:par>
-        <p:cTn id="1" dur="indefinite" restart="never" nodeType="tmRoot"/>
-      </p:par>
-    </p:tnLst>
-  </p:timing>
 </p:sld>
 </file>
 
@@ -37341,10 +36972,9 @@
           <a:lstStyle/>
           <a:p>
             <a:r>
-              <a:rPr lang="hu-HU" dirty="0" smtClean="0"/>
+              <a:rPr lang="hu-HU" dirty="0"/>
               <a:t>A rendszer további módosítási lehetőségei</a:t>
             </a:r>
-            <a:endParaRPr lang="hu-HU" dirty="0"/>
           </a:p>
         </p:txBody>
       </p:sp>
@@ -37364,7 +36994,7 @@
           <a:lstStyle/>
           <a:p>
             <a:r>
-              <a:rPr lang="hu-HU" dirty="0" smtClean="0"/>
+              <a:rPr lang="hu-HU" dirty="0"/>
               <a:t>Apró módosítások</a:t>
             </a:r>
           </a:p>
@@ -37409,7 +37039,7 @@
           <a:lstStyle/>
           <a:p>
             <a:r>
-              <a:rPr lang="hu-HU" smtClean="0"/>
+              <a:rPr lang="hu-HU"/>
               <a:t>Menedzsmentkontroll-rendszerek - 2018.03.08.</a:t>
             </a:r>
             <a:endParaRPr lang="hu-HU" dirty="0"/>
@@ -37450,13 +37080,6 @@
   <p:clrMapOvr>
     <a:masterClrMapping/>
   </p:clrMapOvr>
-  <p:timing>
-    <p:tnLst>
-      <p:par>
-        <p:cTn id="1" dur="indefinite" restart="never" nodeType="tmRoot"/>
-      </p:par>
-    </p:tnLst>
-  </p:timing>
 </p:sld>
 </file>
 
@@ -37678,16 +37301,6 @@
               </a:rPr>
               <a:t>Horváth János  I  Tamás Zsanett      Tímár Réka  I   Várkonyi Máté</a:t>
             </a:r>
-            <a:r>
-              <a:rPr lang="hu-HU" sz="1800" spc="-150" dirty="0">
-                <a:solidFill>
-                  <a:schemeClr val="bg1"/>
-                </a:solidFill>
-                <a:ea typeface="Microsoft Yi Baiti" panose="03000500000000000000" pitchFamily="66" charset="0"/>
-                <a:cs typeface="CordiaUPC" panose="020B0304020202020204" pitchFamily="34" charset="-34"/>
-              </a:rPr>
-              <a:t/>
-            </a:r>
             <a:br>
               <a:rPr lang="hu-HU" sz="1800" spc="-150" dirty="0">
                 <a:solidFill>
@@ -37767,18 +37380,13 @@
           <a:p>
             <a:pPr algn="l"/>
             <a:r>
-              <a:rPr lang="hu-HU" sz="1400" spc="100" dirty="0" smtClean="0">
+              <a:rPr lang="hu-HU" sz="1400" spc="100" dirty="0">
                 <a:solidFill>
                   <a:schemeClr val="bg1"/>
                 </a:solidFill>
               </a:rPr>
               <a:t>2018.03.08.</a:t>
             </a:r>
-            <a:endParaRPr lang="hu-HU" sz="1400" spc="100" dirty="0">
-              <a:solidFill>
-                <a:schemeClr val="bg1"/>
-              </a:solidFill>
-            </a:endParaRPr>
           </a:p>
         </p:txBody>
       </p:sp>
@@ -37879,13 +37487,6 @@
   <p:clrMapOvr>
     <a:masterClrMapping/>
   </p:clrMapOvr>
-  <p:timing>
-    <p:tnLst>
-      <p:par>
-        <p:cTn id="1" dur="indefinite" restart="never" nodeType="tmRoot"/>
-      </p:par>
-    </p:tnLst>
-  </p:timing>
 </p:sld>
 </file>
 
@@ -38107,16 +37708,6 @@
               </a:rPr>
               <a:t>Horváth János  I  Tamás Zsanett      Tímár Réka  I   Várkonyi Máté</a:t>
             </a:r>
-            <a:r>
-              <a:rPr lang="hu-HU" sz="1800" spc="-150" dirty="0">
-                <a:solidFill>
-                  <a:schemeClr val="bg1"/>
-                </a:solidFill>
-                <a:ea typeface="Microsoft Yi Baiti" panose="03000500000000000000" pitchFamily="66" charset="0"/>
-                <a:cs typeface="CordiaUPC" panose="020B0304020202020204" pitchFamily="34" charset="-34"/>
-              </a:rPr>
-              <a:t/>
-            </a:r>
             <a:br>
               <a:rPr lang="hu-HU" sz="1800" spc="-150" dirty="0">
                 <a:solidFill>
@@ -38196,18 +37787,13 @@
           <a:p>
             <a:pPr algn="l"/>
             <a:r>
-              <a:rPr lang="hu-HU" sz="1400" spc="100" dirty="0" smtClean="0">
+              <a:rPr lang="hu-HU" sz="1400" spc="100" dirty="0">
                 <a:solidFill>
                   <a:schemeClr val="bg1"/>
                 </a:solidFill>
               </a:rPr>
               <a:t>2018.03.08.</a:t>
             </a:r>
-            <a:endParaRPr lang="hu-HU" sz="1400" spc="100" dirty="0">
-              <a:solidFill>
-                <a:schemeClr val="bg1"/>
-              </a:solidFill>
-            </a:endParaRPr>
           </a:p>
         </p:txBody>
       </p:sp>
@@ -38574,24 +38160,16 @@
               <a:buChar char="•"/>
             </a:pPr>
             <a:r>
-              <a:rPr lang="hu-HU" dirty="0" smtClean="0">
-                <a:solidFill>
-                  <a:schemeClr val="tx1"/>
-                </a:solidFill>
-              </a:rPr>
-              <a:t>Tervezési és kontrollrendszer </a:t>
-            </a:r>
-            <a:r>
               <a:rPr lang="hu-HU" dirty="0">
                 <a:solidFill>
                   <a:schemeClr val="tx1"/>
                 </a:solidFill>
               </a:rPr>
-              <a:t>gyengeségei</a:t>
+              <a:t>Tervezési és kontrollrendszer gyengeségei</a:t>
             </a:r>
           </a:p>
           <a:p>
-            <a:endParaRPr lang="hu-HU" dirty="0" smtClean="0">
+            <a:endParaRPr lang="hu-HU" dirty="0">
               <a:solidFill>
                 <a:schemeClr val="tx1"/>
               </a:solidFill>
@@ -38603,7 +38181,7 @@
               <a:buChar char="•"/>
             </a:pPr>
             <a:r>
-              <a:rPr lang="hu-HU" dirty="0" smtClean="0">
+              <a:rPr lang="hu-HU" dirty="0">
                 <a:solidFill>
                   <a:schemeClr val="tx1"/>
                 </a:solidFill>
@@ -38616,21 +38194,8 @@
                   <a:srgbClr val="254B8A"/>
                 </a:solidFill>
               </a:rPr>
-              <a:t>eredménytervezési </a:t>
+              <a:t>eredménytervezési folyamat</a:t>
             </a:r>
-            <a:r>
-              <a:rPr lang="hu-HU" b="1" dirty="0" smtClean="0">
-                <a:solidFill>
-                  <a:srgbClr val="254B8A"/>
-                </a:solidFill>
-              </a:rPr>
-              <a:t>folyamat</a:t>
-            </a:r>
-            <a:endParaRPr lang="hu-HU" b="1" dirty="0">
-              <a:solidFill>
-                <a:srgbClr val="254B8A"/>
-              </a:solidFill>
-            </a:endParaRPr>
           </a:p>
           <a:p>
             <a:pPr marL="285750" indent="-285750">
@@ -38649,7 +38214,7 @@
               <a:buChar char="•"/>
             </a:pPr>
             <a:r>
-              <a:rPr lang="hu-HU" dirty="0" smtClean="0">
+              <a:rPr lang="hu-HU" dirty="0">
                 <a:solidFill>
                   <a:schemeClr val="tx1"/>
                 </a:solidFill>
@@ -38690,18 +38255,13 @@
               <a:t>Teljesítményértékelési rendszerek </a:t>
             </a:r>
             <a:r>
-              <a:rPr lang="hu-HU" dirty="0" smtClean="0">
+              <a:rPr lang="hu-HU" dirty="0">
                 <a:solidFill>
                   <a:schemeClr val="tx1"/>
                 </a:solidFill>
               </a:rPr>
               <a:t>minősége</a:t>
             </a:r>
-            <a:endParaRPr lang="hu-HU" dirty="0">
-              <a:solidFill>
-                <a:schemeClr val="tx1"/>
-              </a:solidFill>
-            </a:endParaRPr>
           </a:p>
           <a:p>
             <a:pPr marL="285750" indent="-285750">
@@ -38808,18 +38368,13 @@
               <a:buChar char="•"/>
             </a:pPr>
             <a:r>
-              <a:rPr lang="hu-HU" b="1" dirty="0" smtClean="0">
+              <a:rPr lang="hu-HU" b="1" dirty="0">
                 <a:solidFill>
                   <a:srgbClr val="254B8A"/>
                 </a:solidFill>
               </a:rPr>
               <a:t>Gyárigazgató indokolt felelőssége</a:t>
             </a:r>
-            <a:endParaRPr lang="hu-HU" b="1" dirty="0">
-              <a:solidFill>
-                <a:srgbClr val="254B8A"/>
-              </a:solidFill>
-            </a:endParaRPr>
           </a:p>
           <a:p>
             <a:pPr marL="285750" indent="-285750">
@@ -38887,20 +38442,12 @@
           <a:lstStyle/>
           <a:p>
             <a:r>
-              <a:rPr lang="hu-HU" b="1" dirty="0" smtClean="0">
-                <a:solidFill>
-                  <a:srgbClr val="254B8A"/>
-                </a:solidFill>
-              </a:rPr>
-              <a:t>Jelenlegi eredménytervezési folyamat megtartása </a:t>
-            </a:r>
-            <a:r>
               <a:rPr lang="hu-HU" b="1" dirty="0">
                 <a:solidFill>
                   <a:srgbClr val="254B8A"/>
                 </a:solidFill>
               </a:rPr>
-              <a:t>kis változtatásokkal</a:t>
+              <a:t>Jelenlegi eredménytervezési folyamat megtartása kis változtatásokkal</a:t>
             </a:r>
           </a:p>
         </p:txBody>
@@ -38979,30 +38526,21 @@
               <a:t>A </a:t>
             </a:r>
             <a:r>
-              <a:rPr lang="hu-HU" sz="1600" b="1" i="1" dirty="0" err="1" smtClean="0"/>
+              <a:rPr lang="hu-HU" sz="1600" b="1" i="1" dirty="0" err="1"/>
               <a:t>Vershire</a:t>
             </a:r>
             <a:r>
-              <a:rPr lang="hu-HU" sz="1600" b="1" i="1" dirty="0" smtClean="0"/>
+              <a:rPr lang="hu-HU" sz="1600" b="1" i="1" dirty="0"/>
               <a:t> </a:t>
             </a:r>
             <a:r>
-              <a:rPr lang="hu-HU" sz="1600" b="1" i="1" dirty="0" err="1" smtClean="0"/>
+              <a:rPr lang="hu-HU" sz="1600" b="1" i="1" dirty="0" err="1"/>
               <a:t>Company</a:t>
             </a:r>
             <a:r>
-              <a:rPr lang="hu-HU" sz="1600" b="1" i="1" dirty="0" smtClean="0"/>
-              <a:t> a </a:t>
+              <a:rPr lang="hu-HU" sz="1600" b="1" i="1" dirty="0"/>
+              <a:t> a következő években javítani tudja az eredménytervezés folyamatát és tisztázni a felelősségi köröket.</a:t>
             </a:r>
-            <a:r>
-              <a:rPr lang="hu-HU" sz="1600" b="1" i="1" dirty="0"/>
-              <a:t>következő években javítani tudja </a:t>
-            </a:r>
-            <a:r>
-              <a:rPr lang="hu-HU" sz="1600" b="1" i="1" dirty="0" smtClean="0"/>
-              <a:t>az eredménytervezés folyamatát és tisztázni a felelősségi köröket.</a:t>
-            </a:r>
-            <a:endParaRPr lang="hu-HU" sz="1600" b="1" i="1" dirty="0"/>
           </a:p>
         </p:txBody>
       </p:sp>
@@ -39052,18 +38590,13 @@
           <a:lstStyle/>
           <a:p>
             <a:r>
-              <a:rPr lang="hu-HU" b="1" dirty="0" smtClean="0">
+              <a:rPr lang="hu-HU" b="1" dirty="0">
                 <a:solidFill>
                   <a:srgbClr val="254B8A"/>
                 </a:solidFill>
               </a:rPr>
               <a:t>Gyárigazgató felelősségének felsőbb szintre helyezése</a:t>
             </a:r>
-            <a:endParaRPr lang="hu-HU" b="1" dirty="0">
-              <a:solidFill>
-                <a:srgbClr val="254B8A"/>
-              </a:solidFill>
-            </a:endParaRPr>
           </a:p>
         </p:txBody>
       </p:sp>
@@ -39083,7 +38616,7 @@
           <a:lstStyle/>
           <a:p>
             <a:r>
-              <a:rPr lang="hu-HU" smtClean="0"/>
+              <a:rPr lang="hu-HU"/>
               <a:t>Menedzsmentkontroll-rendszerek - 2018.03.08.</a:t>
             </a:r>
             <a:endParaRPr lang="hu-HU" dirty="0"/>
@@ -39124,13 +38657,6 @@
   <p:clrMapOvr>
     <a:masterClrMapping/>
   </p:clrMapOvr>
-  <p:timing>
-    <p:tnLst>
-      <p:par>
-        <p:cTn id="1" dur="indefinite" restart="never" nodeType="tmRoot"/>
-      </p:par>
-    </p:tnLst>
-  </p:timing>
 </p:sld>
 </file>
 
@@ -39612,18 +39138,13 @@
               <a:buChar char="•"/>
             </a:pPr>
             <a:r>
-              <a:rPr lang="hu-HU" b="1" dirty="0" smtClean="0">
+              <a:rPr lang="hu-HU" b="1" dirty="0">
                 <a:solidFill>
                   <a:srgbClr val="254B8A"/>
                 </a:solidFill>
               </a:rPr>
               <a:t>Gyárigazgató indokolt felelőssége</a:t>
             </a:r>
-            <a:endParaRPr lang="hu-HU" b="1" dirty="0">
-              <a:solidFill>
-                <a:srgbClr val="254B8A"/>
-              </a:solidFill>
-            </a:endParaRPr>
           </a:p>
           <a:p>
             <a:pPr marL="285750" indent="-285750">
@@ -39691,20 +39212,12 @@
           <a:lstStyle/>
           <a:p>
             <a:r>
-              <a:rPr lang="hu-HU" b="1" dirty="0" smtClean="0">
-                <a:solidFill>
-                  <a:srgbClr val="254B8A"/>
-                </a:solidFill>
-              </a:rPr>
-              <a:t>Jelenlegi eredménytervezési folyamat megtartása </a:t>
-            </a:r>
-            <a:r>
               <a:rPr lang="hu-HU" b="1" dirty="0">
                 <a:solidFill>
                   <a:srgbClr val="254B8A"/>
                 </a:solidFill>
               </a:rPr>
-              <a:t>kis változtatásokkal</a:t>
+              <a:t>Jelenlegi eredménytervezési folyamat megtartása kis változtatásokkal</a:t>
             </a:r>
           </a:p>
         </p:txBody>
@@ -39783,30 +39296,21 @@
               <a:t>A </a:t>
             </a:r>
             <a:r>
-              <a:rPr lang="hu-HU" sz="1600" b="1" i="1" dirty="0" err="1" smtClean="0"/>
+              <a:rPr lang="hu-HU" sz="1600" b="1" i="1" dirty="0" err="1"/>
               <a:t>Vershire</a:t>
             </a:r>
             <a:r>
-              <a:rPr lang="hu-HU" sz="1600" b="1" i="1" dirty="0" smtClean="0"/>
+              <a:rPr lang="hu-HU" sz="1600" b="1" i="1" dirty="0"/>
               <a:t> </a:t>
             </a:r>
             <a:r>
-              <a:rPr lang="hu-HU" sz="1600" b="1" i="1" dirty="0" err="1" smtClean="0"/>
+              <a:rPr lang="hu-HU" sz="1600" b="1" i="1" dirty="0" err="1"/>
               <a:t>Company</a:t>
             </a:r>
             <a:r>
-              <a:rPr lang="hu-HU" sz="1600" b="1" i="1" dirty="0" smtClean="0"/>
-              <a:t> a </a:t>
+              <a:rPr lang="hu-HU" sz="1600" b="1" i="1" dirty="0"/>
+              <a:t> a következő években javítani tudja az eredménytervezés folyamatát és tisztázni a felelősségi köröket.</a:t>
             </a:r>
-            <a:r>
-              <a:rPr lang="hu-HU" sz="1600" b="1" i="1" dirty="0"/>
-              <a:t>következő években javítani tudja </a:t>
-            </a:r>
-            <a:r>
-              <a:rPr lang="hu-HU" sz="1600" b="1" i="1" dirty="0" smtClean="0"/>
-              <a:t>az eredménytervezés folyamatát és tisztázni a felelősségi köröket.</a:t>
-            </a:r>
-            <a:endParaRPr lang="hu-HU" sz="1600" b="1" i="1" dirty="0"/>
           </a:p>
         </p:txBody>
       </p:sp>
@@ -39856,18 +39360,13 @@
           <a:lstStyle/>
           <a:p>
             <a:r>
-              <a:rPr lang="hu-HU" b="1" dirty="0" smtClean="0">
+              <a:rPr lang="hu-HU" b="1" dirty="0">
                 <a:solidFill>
                   <a:srgbClr val="254B8A"/>
                 </a:solidFill>
               </a:rPr>
               <a:t>Gyárigazgató felelősségének felsőbb szintre helyezése</a:t>
             </a:r>
-            <a:endParaRPr lang="hu-HU" b="1" dirty="0">
-              <a:solidFill>
-                <a:srgbClr val="254B8A"/>
-              </a:solidFill>
-            </a:endParaRPr>
           </a:p>
         </p:txBody>
       </p:sp>
@@ -39887,7 +39386,7 @@
           <a:lstStyle/>
           <a:p>
             <a:r>
-              <a:rPr lang="hu-HU" smtClean="0"/>
+              <a:rPr lang="hu-HU"/>
               <a:t>Menedzsmentkontroll-rendszerek - 2018.03.08.</a:t>
             </a:r>
             <a:endParaRPr lang="hu-HU" dirty="0"/>
@@ -39928,13 +39427,6 @@
   <p:clrMapOvr>
     <a:masterClrMapping/>
   </p:clrMapOvr>
-  <p:timing>
-    <p:tnLst>
-      <p:par>
-        <p:cTn id="1" dur="indefinite" restart="never" nodeType="tmRoot"/>
-      </p:par>
-    </p:tnLst>
-  </p:timing>
 </p:sld>
 </file>
 
@@ -39973,10 +39465,9 @@
           <a:lstStyle/>
           <a:p>
             <a:r>
-              <a:rPr lang="hu-HU" dirty="0" smtClean="0"/>
+              <a:rPr lang="hu-HU" dirty="0"/>
               <a:t>A tervezési rendszernek megvannak az erősségei és gyengeségei egyaránt</a:t>
             </a:r>
-            <a:endParaRPr lang="hu-HU" dirty="0"/>
           </a:p>
         </p:txBody>
       </p:sp>
@@ -40340,7 +39831,7 @@
         <p:spPr>
           <a:xfrm>
             <a:off x="618761" y="2459367"/>
-            <a:ext cx="4550633" cy="590931"/>
+            <a:ext cx="4550633" cy="2708434"/>
           </a:xfrm>
           <a:prstGeom prst="rect">
             <a:avLst/>
@@ -40373,9 +39864,81 @@
               <a:buChar char="•"/>
             </a:pPr>
             <a:r>
-              <a:rPr lang="hu-HU" sz="1600" dirty="0" smtClean="0"/>
-              <a:t>…</a:t>
+              <a:rPr lang="hu-HU" sz="1600" dirty="0"/>
+              <a:t>Tervezési folyamatban mind körzeti, divíziói, menedzsment szint be van vonva</a:t>
             </a:r>
+          </a:p>
+          <a:p>
+            <a:pPr marL="285750" lvl="0" indent="-285750" defTabSz="622300">
+              <a:lnSpc>
+                <a:spcPct val="90000"/>
+              </a:lnSpc>
+              <a:spcBef>
+                <a:spcPct val="0"/>
+              </a:spcBef>
+              <a:spcAft>
+                <a:spcPct val="35000"/>
+              </a:spcAft>
+              <a:buFont typeface="Arial" panose="020B0604020202020204" pitchFamily="34" charset="0"/>
+              <a:buChar char="•"/>
+            </a:pPr>
+            <a:r>
+              <a:rPr lang="hu-HU" sz="1600" dirty="0"/>
+              <a:t>Végleges terv megalkotásánál bármely változtatásnál újra tervezés az alsóbb szinteken kezdődik. </a:t>
+            </a:r>
+          </a:p>
+          <a:p>
+            <a:pPr marL="285750" lvl="0" indent="-285750" defTabSz="622300">
+              <a:lnSpc>
+                <a:spcPct val="90000"/>
+              </a:lnSpc>
+              <a:spcBef>
+                <a:spcPct val="0"/>
+              </a:spcBef>
+              <a:spcAft>
+                <a:spcPct val="35000"/>
+              </a:spcAft>
+              <a:buFont typeface="Arial" panose="020B0604020202020204" pitchFamily="34" charset="0"/>
+              <a:buChar char="•"/>
+            </a:pPr>
+            <a:r>
+              <a:rPr lang="hu-HU" sz="1600" dirty="0"/>
+              <a:t>Hosszabb idő (4 hónap) áll rendelkezésre a tervezéshez</a:t>
+            </a:r>
+          </a:p>
+          <a:p>
+            <a:pPr marL="285750" lvl="0" indent="-285750" defTabSz="622300">
+              <a:lnSpc>
+                <a:spcPct val="90000"/>
+              </a:lnSpc>
+              <a:spcBef>
+                <a:spcPct val="0"/>
+              </a:spcBef>
+              <a:spcAft>
+                <a:spcPct val="35000"/>
+              </a:spcAft>
+              <a:buFont typeface="Arial" panose="020B0604020202020204" pitchFamily="34" charset="0"/>
+              <a:buChar char="•"/>
+            </a:pPr>
+            <a:r>
+              <a:rPr lang="hu-HU" sz="1600" dirty="0"/>
+              <a:t>Szintek közötti kommunikációt elősegíti</a:t>
+            </a:r>
+          </a:p>
+          <a:p>
+            <a:pPr marL="285750" lvl="0" indent="-285750" defTabSz="622300">
+              <a:lnSpc>
+                <a:spcPct val="90000"/>
+              </a:lnSpc>
+              <a:spcBef>
+                <a:spcPct val="0"/>
+              </a:spcBef>
+              <a:spcAft>
+                <a:spcPct val="35000"/>
+              </a:spcAft>
+              <a:buFont typeface="Arial" panose="020B0604020202020204" pitchFamily="34" charset="0"/>
+              <a:buChar char="•"/>
+            </a:pPr>
             <a:endParaRPr lang="hu-HU" sz="1600" dirty="0"/>
           </a:p>
         </p:txBody>
@@ -40389,7 +39952,7 @@
         <p:spPr>
           <a:xfrm>
             <a:off x="7516132" y="2655372"/>
-            <a:ext cx="4550633" cy="313932"/>
+            <a:ext cx="4550633" cy="1680460"/>
           </a:xfrm>
           <a:prstGeom prst="rect">
             <a:avLst/>
@@ -40415,10 +39978,71 @@
               <a:buChar char="•"/>
             </a:pPr>
             <a:r>
-              <a:rPr lang="hu-HU" sz="1600" dirty="0" smtClean="0"/>
-              <a:t>…</a:t>
+              <a:rPr lang="hu-HU" sz="1600" dirty="0"/>
+              <a:t>nagyon rugalmatlan kisebb </a:t>
             </a:r>
-            <a:endParaRPr lang="hu-HU" sz="1600" dirty="0"/>
+            <a:r>
+              <a:rPr lang="hu-HU" sz="1600" dirty="0" err="1"/>
+              <a:t>folyamatbeli</a:t>
+            </a:r>
+            <a:r>
+              <a:rPr lang="hu-HU" sz="1600" dirty="0"/>
+              <a:t> változtatásokra </a:t>
+            </a:r>
+          </a:p>
+          <a:p>
+            <a:pPr marL="285750" lvl="0" indent="-285750" defTabSz="622300">
+              <a:lnSpc>
+                <a:spcPct val="90000"/>
+              </a:lnSpc>
+              <a:spcBef>
+                <a:spcPct val="0"/>
+              </a:spcBef>
+              <a:spcAft>
+                <a:spcPct val="35000"/>
+              </a:spcAft>
+              <a:buFont typeface="Arial" panose="020B0604020202020204" pitchFamily="34" charset="0"/>
+              <a:buChar char="•"/>
+            </a:pPr>
+            <a:r>
+              <a:rPr lang="hu-HU" sz="1600" dirty="0"/>
+              <a:t>Végleges terv kialakítása hosszadalmas</a:t>
+            </a:r>
+          </a:p>
+          <a:p>
+            <a:pPr marL="285750" lvl="0" indent="-285750" defTabSz="622300">
+              <a:lnSpc>
+                <a:spcPct val="90000"/>
+              </a:lnSpc>
+              <a:spcBef>
+                <a:spcPct val="0"/>
+              </a:spcBef>
+              <a:spcAft>
+                <a:spcPct val="35000"/>
+              </a:spcAft>
+              <a:buFont typeface="Arial" panose="020B0604020202020204" pitchFamily="34" charset="0"/>
+              <a:buChar char="•"/>
+            </a:pPr>
+            <a:r>
+              <a:rPr lang="hu-HU" sz="1600" dirty="0"/>
+              <a:t>A terv kialakításában résztvevők jelentős munkát jelent. </a:t>
+            </a:r>
+          </a:p>
+          <a:p>
+            <a:pPr marL="285750" lvl="0" indent="-285750" defTabSz="622300">
+              <a:lnSpc>
+                <a:spcPct val="90000"/>
+              </a:lnSpc>
+              <a:spcBef>
+                <a:spcPct val="0"/>
+              </a:spcBef>
+              <a:spcAft>
+                <a:spcPct val="35000"/>
+              </a:spcAft>
+              <a:buFont typeface="Arial" panose="020B0604020202020204" pitchFamily="34" charset="0"/>
+              <a:buChar char="•"/>
+            </a:pPr>
+            <a:endParaRPr lang="en-GB" sz="1600" dirty="0"/>
           </a:p>
         </p:txBody>
       </p:sp>
@@ -40494,7 +40118,7 @@
           <a:lstStyle/>
           <a:p>
             <a:r>
-              <a:rPr lang="hu-HU" smtClean="0"/>
+              <a:rPr lang="hu-HU"/>
               <a:t>Menedzsmentkontroll-rendszerek - 2018.03.08.</a:t>
             </a:r>
             <a:endParaRPr lang="hu-HU" dirty="0"/>
@@ -40535,13 +40159,6 @@
   <p:clrMapOvr>
     <a:masterClrMapping/>
   </p:clrMapOvr>
-  <p:timing>
-    <p:tnLst>
-      <p:par>
-        <p:cTn id="1" dur="indefinite" restart="never" nodeType="tmRoot"/>
-      </p:par>
-    </p:tnLst>
-  </p:timing>
 </p:sld>
 </file>
 
@@ -40580,10 +40197,9 @@
           <a:lstStyle/>
           <a:p>
             <a:r>
-              <a:rPr lang="hu-HU" dirty="0" smtClean="0"/>
+              <a:rPr lang="hu-HU" dirty="0"/>
               <a:t>A kontrollrendszernek megvannak az erősségei és gyengeségei egyaránt</a:t>
             </a:r>
-            <a:endParaRPr lang="hu-HU" dirty="0"/>
           </a:p>
         </p:txBody>
       </p:sp>
@@ -40971,23 +40587,15 @@
           <a:p>
             <a:pPr lvl="1"/>
             <a:r>
-              <a:rPr lang="hu-HU" dirty="0" smtClean="0"/>
-              <a:t>- hatalom </a:t>
-            </a:r>
-            <a:r>
               <a:rPr lang="hu-HU" dirty="0"/>
-              <a:t>és felelősség megosztás (körzeti vezető kellett a marketing igazgató változtatási dolgához)</a:t>
+              <a:t>- hatalom és felelősség megosztás (körzeti vezető kellett a marketing igazgató változtatási dolgához)</a:t>
             </a:r>
           </a:p>
           <a:p>
             <a:pPr lvl="1"/>
             <a:r>
-              <a:rPr lang="hu-HU" dirty="0" smtClean="0"/>
-              <a:t>- mindenkinek </a:t>
-            </a:r>
-            <a:r>
               <a:rPr lang="hu-HU" dirty="0"/>
-              <a:t>jó legyen a terv, mindenki magáénak érezze</a:t>
+              <a:t>- mindenkinek jó legyen a terv, mindenki magáénak érezze</a:t>
             </a:r>
           </a:p>
           <a:p>
@@ -41047,10 +40655,9 @@
               <a:buChar char="•"/>
             </a:pPr>
             <a:r>
-              <a:rPr lang="hu-HU" sz="1600" dirty="0" smtClean="0"/>
+              <a:rPr lang="hu-HU" sz="1600" dirty="0"/>
               <a:t>…</a:t>
             </a:r>
-            <a:endParaRPr lang="hu-HU" sz="1600" dirty="0"/>
           </a:p>
         </p:txBody>
       </p:sp>
@@ -41126,7 +40733,7 @@
           <a:lstStyle/>
           <a:p>
             <a:r>
-              <a:rPr lang="hu-HU" smtClean="0"/>
+              <a:rPr lang="hu-HU"/>
               <a:t>Menedzsmentkontroll-rendszerek - 2018.03.08.</a:t>
             </a:r>
             <a:endParaRPr lang="hu-HU" dirty="0"/>
@@ -41167,13 +40774,6 @@
   <p:clrMapOvr>
     <a:masterClrMapping/>
   </p:clrMapOvr>
-  <p:timing>
-    <p:tnLst>
-      <p:par>
-        <p:cTn id="1" dur="indefinite" restart="never" nodeType="tmRoot"/>
-      </p:par>
-    </p:tnLst>
-  </p:timing>
 </p:sld>
 </file>
 
@@ -41210,18 +40810,17 @@
           <a:lstStyle/>
           <a:p>
             <a:r>
-              <a:rPr lang="hu-HU" dirty="0" smtClean="0"/>
+              <a:rPr lang="hu-HU" dirty="0"/>
               <a:t>Az eredménytervezés folyamata a </a:t>
             </a:r>
             <a:r>
-              <a:rPr lang="hu-HU" dirty="0" err="1" smtClean="0"/>
+              <a:rPr lang="hu-HU" dirty="0" err="1"/>
               <a:t>Vershire</a:t>
             </a:r>
             <a:r>
-              <a:rPr lang="hu-HU" dirty="0" smtClean="0"/>
+              <a:rPr lang="hu-HU" dirty="0"/>
               <a:t> esetében</a:t>
             </a:r>
-            <a:endParaRPr lang="hu-HU" dirty="0"/>
           </a:p>
         </p:txBody>
       </p:sp>
@@ -41294,7 +40893,7 @@
           <a:lstStyle/>
           <a:p>
             <a:r>
-              <a:rPr lang="hu-HU" smtClean="0"/>
+              <a:rPr lang="hu-HU"/>
               <a:t>Menedzsmentkontroll-rendszerek - 2018.03.08.</a:t>
             </a:r>
             <a:endParaRPr lang="hu-HU" dirty="0"/>
@@ -41335,13 +40934,6 @@
   <p:clrMapOvr>
     <a:masterClrMapping/>
   </p:clrMapOvr>
-  <p:timing>
-    <p:tnLst>
-      <p:par>
-        <p:cTn id="1" dur="indefinite" restart="never" nodeType="tmRoot"/>
-      </p:par>
-    </p:tnLst>
-  </p:timing>
 </p:sld>
 </file>
 
@@ -41812,18 +41404,13 @@
               <a:buChar char="•"/>
             </a:pPr>
             <a:r>
-              <a:rPr lang="hu-HU" b="1" dirty="0" smtClean="0">
+              <a:rPr lang="hu-HU" b="1" dirty="0">
                 <a:solidFill>
                   <a:srgbClr val="254B8A"/>
                 </a:solidFill>
               </a:rPr>
               <a:t>Gyárigazgató indokolt felelőssége</a:t>
             </a:r>
-            <a:endParaRPr lang="hu-HU" b="1" dirty="0">
-              <a:solidFill>
-                <a:srgbClr val="254B8A"/>
-              </a:solidFill>
-            </a:endParaRPr>
           </a:p>
           <a:p>
             <a:pPr marL="285750" indent="-285750">
@@ -41894,20 +41481,12 @@
           <a:lstStyle/>
           <a:p>
             <a:r>
-              <a:rPr lang="hu-HU" b="1" dirty="0" smtClean="0">
-                <a:solidFill>
-                  <a:srgbClr val="254B8A"/>
-                </a:solidFill>
-              </a:rPr>
-              <a:t>Jelenlegi eredménytervezési folyamat megtartása </a:t>
-            </a:r>
-            <a:r>
               <a:rPr lang="hu-HU" b="1" dirty="0">
                 <a:solidFill>
                   <a:srgbClr val="254B8A"/>
                 </a:solidFill>
               </a:rPr>
-              <a:t>kis változtatásokkal</a:t>
+              <a:t>Jelenlegi eredménytervezési folyamat megtartása kis változtatásokkal</a:t>
             </a:r>
           </a:p>
         </p:txBody>
@@ -41986,30 +41565,21 @@
               <a:t>A </a:t>
             </a:r>
             <a:r>
-              <a:rPr lang="hu-HU" sz="1600" b="1" i="1" dirty="0" err="1" smtClean="0"/>
+              <a:rPr lang="hu-HU" sz="1600" b="1" i="1" dirty="0" err="1"/>
               <a:t>Vershire</a:t>
             </a:r>
             <a:r>
-              <a:rPr lang="hu-HU" sz="1600" b="1" i="1" dirty="0" smtClean="0"/>
+              <a:rPr lang="hu-HU" sz="1600" b="1" i="1" dirty="0"/>
               <a:t> </a:t>
             </a:r>
             <a:r>
-              <a:rPr lang="hu-HU" sz="1600" b="1" i="1" dirty="0" err="1" smtClean="0"/>
+              <a:rPr lang="hu-HU" sz="1600" b="1" i="1" dirty="0" err="1"/>
               <a:t>Company</a:t>
             </a:r>
             <a:r>
-              <a:rPr lang="hu-HU" sz="1600" b="1" i="1" dirty="0" smtClean="0"/>
-              <a:t> a </a:t>
+              <a:rPr lang="hu-HU" sz="1600" b="1" i="1" dirty="0"/>
+              <a:t> a következő években javítani tudja az eredménytervezés folyamatát és tisztázni a felelősségi köröket.</a:t>
             </a:r>
-            <a:r>
-              <a:rPr lang="hu-HU" sz="1600" b="1" i="1" dirty="0"/>
-              <a:t>következő években javítani tudja </a:t>
-            </a:r>
-            <a:r>
-              <a:rPr lang="hu-HU" sz="1600" b="1" i="1" dirty="0" smtClean="0"/>
-              <a:t>az eredménytervezés folyamatát és tisztázni a felelősségi köröket.</a:t>
-            </a:r>
-            <a:endParaRPr lang="hu-HU" sz="1600" b="1" i="1" dirty="0"/>
           </a:p>
         </p:txBody>
       </p:sp>
@@ -42059,18 +41629,13 @@
           <a:lstStyle/>
           <a:p>
             <a:r>
-              <a:rPr lang="hu-HU" b="1" dirty="0" smtClean="0">
+              <a:rPr lang="hu-HU" b="1" dirty="0">
                 <a:solidFill>
                   <a:srgbClr val="254B8A"/>
                 </a:solidFill>
               </a:rPr>
               <a:t>Gyárigazgató felelősségének felsőbb szintre helyezése</a:t>
             </a:r>
-            <a:endParaRPr lang="hu-HU" b="1" dirty="0">
-              <a:solidFill>
-                <a:srgbClr val="254B8A"/>
-              </a:solidFill>
-            </a:endParaRPr>
           </a:p>
         </p:txBody>
       </p:sp>
@@ -42090,7 +41655,7 @@
           <a:lstStyle/>
           <a:p>
             <a:r>
-              <a:rPr lang="hu-HU" smtClean="0"/>
+              <a:rPr lang="hu-HU"/>
               <a:t>Menedzsmentkontroll-rendszerek - 2018.03.08.</a:t>
             </a:r>
             <a:endParaRPr lang="hu-HU" dirty="0"/>
@@ -42131,13 +41696,6 @@
   <p:clrMapOvr>
     <a:masterClrMapping/>
   </p:clrMapOvr>
-  <p:timing>
-    <p:tnLst>
-      <p:par>
-        <p:cTn id="1" dur="indefinite" restart="never" nodeType="tmRoot"/>
-      </p:par>
-    </p:tnLst>
-  </p:timing>
 </p:sld>
 </file>
 
@@ -42174,10 +41732,9 @@
           <a:lstStyle/>
           <a:p>
             <a:r>
-              <a:rPr lang="hu-HU" dirty="0" smtClean="0"/>
+              <a:rPr lang="hu-HU" dirty="0"/>
               <a:t>Javaslatok az eredménytervezés folyamatának optimalizálására </a:t>
             </a:r>
-            <a:endParaRPr lang="hu-HU" dirty="0"/>
           </a:p>
         </p:txBody>
       </p:sp>
@@ -42299,18 +41856,10 @@
                   <a:schemeClr val="tx1"/>
                 </a:solidFill>
               </a:rPr>
-              <a:t>c</a:t>
+              <a:t>controllerekkel</a:t>
             </a:r>
             <a:r>
-              <a:rPr lang="hu-HU" sz="1600" b="1" dirty="0" err="1" smtClean="0">
-                <a:solidFill>
-                  <a:schemeClr val="tx1"/>
-                </a:solidFill>
-              </a:rPr>
-              <a:t>ontrollerekkel</a:t>
-            </a:r>
-            <a:r>
-              <a:rPr lang="hu-HU" sz="1600" b="1" dirty="0" smtClean="0">
+              <a:rPr lang="hu-HU" sz="1600" b="1" dirty="0">
                 <a:solidFill>
                   <a:schemeClr val="tx1"/>
                 </a:solidFill>
@@ -42318,7 +41867,7 @@
               <a:t> való keretterv </a:t>
             </a:r>
             <a:r>
-              <a:rPr lang="hu-HU" sz="1600" b="1" dirty="0" err="1" smtClean="0">
+              <a:rPr lang="hu-HU" sz="1600" b="1" dirty="0" err="1">
                 <a:solidFill>
                   <a:schemeClr val="tx1"/>
                 </a:solidFill>
@@ -42425,10 +41974,9 @@
           <a:lstStyle/>
           <a:p>
             <a:r>
-              <a:rPr lang="hu-HU" dirty="0" smtClean="0"/>
+              <a:rPr lang="hu-HU" dirty="0"/>
               <a:t>Kivehető a folyamatból:</a:t>
             </a:r>
-            <a:endParaRPr lang="hu-HU" dirty="0"/>
           </a:p>
         </p:txBody>
       </p:sp>
@@ -42566,7 +42114,7 @@
           <a:lstStyle/>
           <a:p>
             <a:pPr algn="ctr"/>
-            <a:endParaRPr lang="hu-HU" sz="1600" b="1" dirty="0" smtClean="0">
+            <a:endParaRPr lang="hu-HU" sz="1600" b="1" dirty="0">
               <a:solidFill>
                 <a:schemeClr val="tx1"/>
               </a:solidFill>
@@ -42575,50 +42123,13 @@
           <a:p>
             <a:pPr algn="ctr"/>
             <a:r>
-              <a:rPr lang="hu-HU" sz="1600" b="1" dirty="0" smtClean="0">
-                <a:solidFill>
-                  <a:schemeClr val="tx1"/>
-                </a:solidFill>
-              </a:rPr>
-              <a:t>Többi </a:t>
-            </a:r>
-            <a:r>
               <a:rPr lang="hu-HU" sz="1600" b="1" dirty="0">
                 <a:solidFill>
                   <a:schemeClr val="tx1"/>
                 </a:solidFill>
               </a:rPr>
-              <a:t>rész nem </a:t>
+              <a:t>Többi rész nem kivehető a folyamat összetettsége miatt.</a:t>
             </a:r>
-            <a:r>
-              <a:rPr lang="hu-HU" sz="1600" b="1" dirty="0" smtClean="0">
-                <a:solidFill>
-                  <a:schemeClr val="tx1"/>
-                </a:solidFill>
-              </a:rPr>
-              <a:t>kivehető </a:t>
-            </a:r>
-            <a:r>
-              <a:rPr lang="hu-HU" sz="1600" b="1" dirty="0">
-                <a:solidFill>
-                  <a:schemeClr val="tx1"/>
-                </a:solidFill>
-              </a:rPr>
-              <a:t>a folyamat összetettsége </a:t>
-            </a:r>
-            <a:r>
-              <a:rPr lang="hu-HU" sz="1600" b="1" dirty="0" smtClean="0">
-                <a:solidFill>
-                  <a:schemeClr val="tx1"/>
-                </a:solidFill>
-              </a:rPr>
-              <a:t>miatt.</a:t>
-            </a:r>
-            <a:endParaRPr lang="hu-HU" sz="1600" b="1" dirty="0">
-              <a:solidFill>
-                <a:schemeClr val="tx1"/>
-              </a:solidFill>
-            </a:endParaRPr>
           </a:p>
           <a:p>
             <a:pPr algn="ctr"/>
@@ -42646,7 +42157,7 @@
           <a:lstStyle/>
           <a:p>
             <a:r>
-              <a:rPr lang="hu-HU" smtClean="0"/>
+              <a:rPr lang="hu-HU"/>
               <a:t>Menedzsmentkontroll-rendszerek - 2018.03.08.</a:t>
             </a:r>
             <a:endParaRPr lang="hu-HU" dirty="0"/>
@@ -44211,18 +43722,13 @@
               <a:buChar char="•"/>
             </a:pPr>
             <a:r>
-              <a:rPr lang="hu-HU" b="1" dirty="0" smtClean="0">
+              <a:rPr lang="hu-HU" b="1" dirty="0">
                 <a:solidFill>
                   <a:srgbClr val="254B8A"/>
                 </a:solidFill>
               </a:rPr>
               <a:t>Gyárigazgató indokolt felelőssége</a:t>
             </a:r>
-            <a:endParaRPr lang="hu-HU" b="1" dirty="0">
-              <a:solidFill>
-                <a:srgbClr val="254B8A"/>
-              </a:solidFill>
-            </a:endParaRPr>
           </a:p>
           <a:p>
             <a:pPr marL="285750" indent="-285750">
@@ -44374,30 +43880,21 @@
               <a:t>A </a:t>
             </a:r>
             <a:r>
-              <a:rPr lang="hu-HU" sz="1600" b="1" i="1" dirty="0" err="1" smtClean="0"/>
+              <a:rPr lang="hu-HU" sz="1600" b="1" i="1" dirty="0" err="1"/>
               <a:t>Vershire</a:t>
             </a:r>
             <a:r>
-              <a:rPr lang="hu-HU" sz="1600" b="1" i="1" dirty="0" smtClean="0"/>
+              <a:rPr lang="hu-HU" sz="1600" b="1" i="1" dirty="0"/>
               <a:t> </a:t>
             </a:r>
             <a:r>
-              <a:rPr lang="hu-HU" sz="1600" b="1" i="1" dirty="0" err="1" smtClean="0"/>
+              <a:rPr lang="hu-HU" sz="1600" b="1" i="1" dirty="0" err="1"/>
               <a:t>Company</a:t>
             </a:r>
             <a:r>
-              <a:rPr lang="hu-HU" sz="1600" b="1" i="1" dirty="0" smtClean="0"/>
-              <a:t> a </a:t>
+              <a:rPr lang="hu-HU" sz="1600" b="1" i="1" dirty="0"/>
+              <a:t> a következő években javítani tudja az eredménytervezés folyamatát és tisztázni a felelősségi köröket.</a:t>
             </a:r>
-            <a:r>
-              <a:rPr lang="hu-HU" sz="1600" b="1" i="1" dirty="0"/>
-              <a:t>következő években javítani tudja </a:t>
-            </a:r>
-            <a:r>
-              <a:rPr lang="hu-HU" sz="1600" b="1" i="1" dirty="0" smtClean="0"/>
-              <a:t>az eredménytervezés folyamatát és tisztázni a felelősségi köröket.</a:t>
-            </a:r>
-            <a:endParaRPr lang="hu-HU" sz="1600" b="1" i="1" dirty="0"/>
           </a:p>
         </p:txBody>
       </p:sp>
@@ -44450,18 +43947,13 @@
           <a:lstStyle/>
           <a:p>
             <a:r>
-              <a:rPr lang="hu-HU" b="1" dirty="0" smtClean="0">
+              <a:rPr lang="hu-HU" b="1" dirty="0">
                 <a:solidFill>
                   <a:srgbClr val="254B8A"/>
                 </a:solidFill>
               </a:rPr>
               <a:t>Gyárigazgató felelősségének felsőbb szintre helyezése</a:t>
             </a:r>
-            <a:endParaRPr lang="hu-HU" b="1" dirty="0">
-              <a:solidFill>
-                <a:srgbClr val="254B8A"/>
-              </a:solidFill>
-            </a:endParaRPr>
           </a:p>
         </p:txBody>
       </p:sp>
@@ -44505,7 +43997,7 @@
           <a:lstStyle/>
           <a:p>
             <a:r>
-              <a:rPr lang="hu-HU" smtClean="0"/>
+              <a:rPr lang="hu-HU"/>
               <a:t>Menedzsmentkontroll-rendszerek - 2018.03.08.</a:t>
             </a:r>
             <a:endParaRPr lang="hu-HU" dirty="0"/>
@@ -44546,13 +44038,6 @@
   <p:clrMapOvr>
     <a:masterClrMapping/>
   </p:clrMapOvr>
-  <p:timing>
-    <p:tnLst>
-      <p:par>
-        <p:cTn id="1" dur="indefinite" restart="never" nodeType="tmRoot"/>
-      </p:par>
-    </p:tnLst>
-  </p:timing>
 </p:sld>
 </file>
 
